--- a/300lv notes /cyb309/CYB309 II.pptx
+++ b/300lv notes /cyb309/CYB309 II.pptx
@@ -1,47 +1,47 @@
 
 <file path=ppt/presentation.xml><?xml version="1.0" encoding="utf-8"?>
-<p:presentation xmlns:a="http://schemas.openxmlformats.org/drawingml/2006/main" xmlns:r="http://schemas.openxmlformats.org/officeDocument/2006/relationships" xmlns:p="http://schemas.openxmlformats.org/presentationml/2006/main" saveSubsetFonts="1">
+<p:presentation xmlns:a="http://schemas.openxmlformats.org/drawingml/2006/main" xmlns:r="http://schemas.openxmlformats.org/officeDocument/2006/relationships" xmlns:p="http://schemas.openxmlformats.org/presentationml/2006/main">
   <p:sldMasterIdLst>
-    <p:sldMasterId id="2147483660" r:id="rId1"/>
+    <p:sldMasterId id="2147483648" r:id="rId1"/>
   </p:sldMasterIdLst>
   <p:notesMasterIdLst>
-    <p:notesMasterId r:id="rId36"/>
+    <p:notesMasterId r:id="rId17"/>
   </p:notesMasterIdLst>
   <p:sldIdLst>
-    <p:sldId id="257" r:id="rId2"/>
-    <p:sldId id="256" r:id="rId3"/>
-    <p:sldId id="258" r:id="rId4"/>
-    <p:sldId id="259" r:id="rId5"/>
-    <p:sldId id="260" r:id="rId6"/>
-    <p:sldId id="261" r:id="rId7"/>
-    <p:sldId id="262" r:id="rId8"/>
-    <p:sldId id="263" r:id="rId9"/>
-    <p:sldId id="264" r:id="rId10"/>
-    <p:sldId id="265" r:id="rId11"/>
-    <p:sldId id="266" r:id="rId12"/>
-    <p:sldId id="267" r:id="rId13"/>
-    <p:sldId id="268" r:id="rId14"/>
-    <p:sldId id="269" r:id="rId15"/>
-    <p:sldId id="270" r:id="rId16"/>
-    <p:sldId id="271" r:id="rId17"/>
-    <p:sldId id="272" r:id="rId18"/>
-    <p:sldId id="273" r:id="rId19"/>
-    <p:sldId id="274" r:id="rId20"/>
-    <p:sldId id="275" r:id="rId21"/>
-    <p:sldId id="276" r:id="rId22"/>
-    <p:sldId id="277" r:id="rId23"/>
-    <p:sldId id="278" r:id="rId24"/>
-    <p:sldId id="280" r:id="rId25"/>
-    <p:sldId id="279" r:id="rId26"/>
-    <p:sldId id="281" r:id="rId27"/>
-    <p:sldId id="282" r:id="rId28"/>
-    <p:sldId id="283" r:id="rId29"/>
-    <p:sldId id="284" r:id="rId30"/>
-    <p:sldId id="285" r:id="rId31"/>
-    <p:sldId id="286" r:id="rId32"/>
-    <p:sldId id="287" r:id="rId33"/>
-    <p:sldId id="288" r:id="rId34"/>
-    <p:sldId id="289" r:id="rId35"/>
+    <p:sldId id="257" r:id="rId3"/>
+    <p:sldId id="256" r:id="rId4"/>
+    <p:sldId id="258" r:id="rId5"/>
+    <p:sldId id="259" r:id="rId6"/>
+    <p:sldId id="260" r:id="rId7"/>
+    <p:sldId id="261" r:id="rId8"/>
+    <p:sldId id="262" r:id="rId9"/>
+    <p:sldId id="263" r:id="rId10"/>
+    <p:sldId id="264" r:id="rId11"/>
+    <p:sldId id="265" r:id="rId12"/>
+    <p:sldId id="266" r:id="rId13"/>
+    <p:sldId id="267" r:id="rId14"/>
+    <p:sldId id="268" r:id="rId15"/>
+    <p:sldId id="269" r:id="rId16"/>
+    <p:sldId id="270" r:id="rId18"/>
+    <p:sldId id="271" r:id="rId19"/>
+    <p:sldId id="272" r:id="rId20"/>
+    <p:sldId id="273" r:id="rId21"/>
+    <p:sldId id="274" r:id="rId22"/>
+    <p:sldId id="275" r:id="rId23"/>
+    <p:sldId id="276" r:id="rId24"/>
+    <p:sldId id="277" r:id="rId25"/>
+    <p:sldId id="278" r:id="rId26"/>
+    <p:sldId id="280" r:id="rId27"/>
+    <p:sldId id="279" r:id="rId28"/>
+    <p:sldId id="281" r:id="rId29"/>
+    <p:sldId id="282" r:id="rId30"/>
+    <p:sldId id="283" r:id="rId31"/>
+    <p:sldId id="284" r:id="rId32"/>
+    <p:sldId id="285" r:id="rId33"/>
+    <p:sldId id="286" r:id="rId34"/>
+    <p:sldId id="287" r:id="rId35"/>
+    <p:sldId id="288" r:id="rId36"/>
+    <p:sldId id="289" r:id="rId37"/>
   </p:sldIdLst>
   <p:sldSz cx="12192000" cy="6858000"/>
   <p:notesSz cx="6858000" cy="9144000"/>
@@ -140,11 +140,6 @@
       </a:defRPr>
     </a:lvl9pPr>
   </p:defaultTextStyle>
-  <p:extLst>
-    <p:ext uri="{EFAFB233-063F-42B5-8137-9DF3F51BA10A}">
-      <p15:sldGuideLst xmlns:p15="http://schemas.microsoft.com/office/powerpoint/2012/main"/>
-    </p:ext>
-  </p:extLst>
 </p:presentation>
 </file>
 
@@ -230,7 +225,6 @@
           <a:p>
             <a:fld id="{585410A2-2DCC-4E03-A676-42E895FE9F3A}" type="datetimeFigureOut">
               <a:rPr lang="en-GB" smtClean="0"/>
-              <a:t>31/10/2023</a:t>
             </a:fld>
             <a:endParaRPr lang="en-GB"/>
           </a:p>
@@ -297,6 +291,7 @@
               <a:rPr lang="en-US"/>
               <a:t>Click to edit Master text styles</a:t>
             </a:r>
+            <a:endParaRPr lang="en-US"/>
           </a:p>
           <a:p>
             <a:pPr lvl="1"/>
@@ -304,6 +299,7 @@
               <a:rPr lang="en-US"/>
               <a:t>Second level</a:t>
             </a:r>
+            <a:endParaRPr lang="en-US"/>
           </a:p>
           <a:p>
             <a:pPr lvl="2"/>
@@ -311,6 +307,7 @@
               <a:rPr lang="en-US"/>
               <a:t>Third level</a:t>
             </a:r>
+            <a:endParaRPr lang="en-US"/>
           </a:p>
           <a:p>
             <a:pPr lvl="3"/>
@@ -318,6 +315,7 @@
               <a:rPr lang="en-US"/>
               <a:t>Fourth level</a:t>
             </a:r>
+            <a:endParaRPr lang="en-US"/>
           </a:p>
           <a:p>
             <a:pPr lvl="4"/>
@@ -389,18 +387,12 @@
           <a:p>
             <a:fld id="{88E05E09-88F7-44B4-A374-7274BF48A0A2}" type="slidenum">
               <a:rPr lang="en-GB" smtClean="0"/>
-              <a:t>‹#›</a:t>
             </a:fld>
             <a:endParaRPr lang="en-GB"/>
           </a:p>
         </p:txBody>
       </p:sp>
     </p:spTree>
-    <p:extLst>
-      <p:ext uri="{BB962C8B-B14F-4D97-AF65-F5344CB8AC3E}">
-        <p14:creationId xmlns:p14="http://schemas.microsoft.com/office/powerpoint/2010/main" val="1593440931"/>
-      </p:ext>
-    </p:extLst>
   </p:cSld>
   <p:clrMap bg1="lt1" tx1="dk1" bg2="lt2" tx2="dk2" accent1="accent1" accent2="accent2" accent3="accent3" accent4="accent4" accent5="accent5" accent6="accent6" hlink="hlink" folHlink="folHlink"/>
   <p:notesStyle>
@@ -556,7 +548,6 @@
               <a:buSzTx/>
               <a:buFontTx/>
               <a:buNone/>
-              <a:tabLst/>
               <a:defRPr/>
             </a:pPr>
             <a:r>
@@ -587,18 +578,12 @@
           <a:p>
             <a:fld id="{88E05E09-88F7-44B4-A374-7274BF48A0A2}" type="slidenum">
               <a:rPr lang="en-GB" smtClean="0"/>
-              <a:t>14</a:t>
             </a:fld>
             <a:endParaRPr lang="en-GB"/>
           </a:p>
         </p:txBody>
       </p:sp>
     </p:spTree>
-    <p:extLst>
-      <p:ext uri="{BB962C8B-B14F-4D97-AF65-F5344CB8AC3E}">
-        <p14:creationId xmlns:p14="http://schemas.microsoft.com/office/powerpoint/2010/main" val="3471114163"/>
-      </p:ext>
-    </p:extLst>
   </p:cSld>
   <p:clrMapOvr>
     <a:masterClrMapping/>
@@ -658,6 +643,7 @@
               <a:rPr lang="en-US" dirty="0"/>
               <a:t>A subject is the active entity that requests access to a resource.</a:t>
             </a:r>
+            <a:endParaRPr lang="en-US" dirty="0"/>
           </a:p>
           <a:p>
             <a:pPr marL="228600" indent="-228600">
@@ -668,6 +654,7 @@
               <a:rPr lang="en-US" dirty="0"/>
               <a:t>An object is the passive entity that is (or contains) the information needed by the subject and for which access is requested.</a:t>
             </a:r>
+            <a:endParaRPr lang="en-US" dirty="0"/>
           </a:p>
           <a:p>
             <a:pPr marL="228600" indent="-228600">
@@ -699,18 +686,12 @@
           <a:p>
             <a:fld id="{88E05E09-88F7-44B4-A374-7274BF48A0A2}" type="slidenum">
               <a:rPr lang="en-GB" smtClean="0"/>
-              <a:t>18</a:t>
             </a:fld>
             <a:endParaRPr lang="en-GB"/>
           </a:p>
         </p:txBody>
       </p:sp>
     </p:spTree>
-    <p:extLst>
-      <p:ext uri="{BB962C8B-B14F-4D97-AF65-F5344CB8AC3E}">
-        <p14:creationId xmlns:p14="http://schemas.microsoft.com/office/powerpoint/2010/main" val="1843414111"/>
-      </p:ext>
-    </p:extLst>
   </p:cSld>
   <p:clrMapOvr>
     <a:masterClrMapping/>
@@ -766,6 +747,7 @@
               <a:rPr lang="en-GB" dirty="0"/>
               <a:t>Next Topic: Access Control Process</a:t>
             </a:r>
+            <a:endParaRPr lang="en-GB" dirty="0"/>
           </a:p>
         </p:txBody>
       </p:sp>
@@ -786,18 +768,12 @@
           <a:p>
             <a:fld id="{88E05E09-88F7-44B4-A374-7274BF48A0A2}" type="slidenum">
               <a:rPr lang="en-GB" smtClean="0"/>
-              <a:t>34</a:t>
             </a:fld>
             <a:endParaRPr lang="en-GB"/>
           </a:p>
         </p:txBody>
       </p:sp>
     </p:spTree>
-    <p:extLst>
-      <p:ext uri="{BB962C8B-B14F-4D97-AF65-F5344CB8AC3E}">
-        <p14:creationId xmlns:p14="http://schemas.microsoft.com/office/powerpoint/2010/main" val="4074048790"/>
-      </p:ext>
-    </p:extLst>
   </p:cSld>
   <p:clrMapOvr>
     <a:masterClrMapping/>
@@ -993,7 +969,6 @@
           <a:p>
             <a:fld id="{E0910086-ECD1-4273-BC0A-02990D5D5A20}" type="datetimeFigureOut">
               <a:rPr lang="en-GB" smtClean="0"/>
-              <a:t>31/10/2023</a:t>
             </a:fld>
             <a:endParaRPr lang="en-GB"/>
           </a:p>
@@ -1122,18 +1097,12 @@
           <a:p>
             <a:fld id="{A59CAE70-B2C8-4A4A-9721-5B5DC6EE2FF2}" type="slidenum">
               <a:rPr lang="en-GB" smtClean="0"/>
-              <a:t>‹#›</a:t>
             </a:fld>
             <a:endParaRPr lang="en-GB"/>
           </a:p>
         </p:txBody>
       </p:sp>
     </p:spTree>
-    <p:extLst>
-      <p:ext uri="{BB962C8B-B14F-4D97-AF65-F5344CB8AC3E}">
-        <p14:creationId xmlns:p14="http://schemas.microsoft.com/office/powerpoint/2010/main" val="1832370864"/>
-      </p:ext>
-    </p:extLst>
   </p:cSld>
   <p:clrMapOvr>
     <a:masterClrMapping/>
@@ -1311,6 +1280,7 @@
               <a:rPr lang="en-US"/>
               <a:t>Edit Master text styles</a:t>
             </a:r>
+            <a:endParaRPr lang="en-US"/>
           </a:p>
         </p:txBody>
       </p:sp>
@@ -1331,7 +1301,6 @@
           <a:p>
             <a:fld id="{E0910086-ECD1-4273-BC0A-02990D5D5A20}" type="datetimeFigureOut">
               <a:rPr lang="en-GB" smtClean="0"/>
-              <a:t>31/10/2023</a:t>
             </a:fld>
             <a:endParaRPr lang="en-GB"/>
           </a:p>
@@ -1460,18 +1429,12 @@
           <a:p>
             <a:fld id="{A59CAE70-B2C8-4A4A-9721-5B5DC6EE2FF2}" type="slidenum">
               <a:rPr lang="en-GB" smtClean="0"/>
-              <a:t>‹#›</a:t>
             </a:fld>
             <a:endParaRPr lang="en-GB"/>
           </a:p>
         </p:txBody>
       </p:sp>
     </p:spTree>
-    <p:extLst>
-      <p:ext uri="{BB962C8B-B14F-4D97-AF65-F5344CB8AC3E}">
-        <p14:creationId xmlns:p14="http://schemas.microsoft.com/office/powerpoint/2010/main" val="4098336918"/>
-      </p:ext>
-    </p:extLst>
   </p:cSld>
   <p:clrMapOvr>
     <a:masterClrMapping/>
@@ -1590,6 +1553,7 @@
               <a:rPr lang="en-US"/>
               <a:t>Edit Master text styles</a:t>
             </a:r>
+            <a:endParaRPr lang="en-US"/>
           </a:p>
         </p:txBody>
       </p:sp>
@@ -1712,6 +1676,7 @@
               <a:rPr lang="en-US"/>
               <a:t>Edit Master text styles</a:t>
             </a:r>
+            <a:endParaRPr lang="en-US"/>
           </a:p>
         </p:txBody>
       </p:sp>
@@ -1732,7 +1697,6 @@
           <a:p>
             <a:fld id="{E0910086-ECD1-4273-BC0A-02990D5D5A20}" type="datetimeFigureOut">
               <a:rPr lang="en-GB" smtClean="0"/>
-              <a:t>31/10/2023</a:t>
             </a:fld>
             <a:endParaRPr lang="en-GB"/>
           </a:p>
@@ -1861,7 +1825,6 @@
           <a:p>
             <a:fld id="{A59CAE70-B2C8-4A4A-9721-5B5DC6EE2FF2}" type="slidenum">
               <a:rPr lang="en-GB" smtClean="0"/>
-              <a:t>‹#›</a:t>
             </a:fld>
             <a:endParaRPr lang="en-GB"/>
           </a:p>
@@ -1902,6 +1865,16 @@
               </a:rPr>
               <a:t>“</a:t>
             </a:r>
+            <a:endParaRPr lang="en-US" sz="8000" baseline="0" dirty="0">
+              <a:ln w="3175" cmpd="sng">
+                <a:noFill/>
+              </a:ln>
+              <a:solidFill>
+                <a:schemeClr val="accent1"/>
+              </a:solidFill>
+              <a:effectLst/>
+              <a:latin typeface="Arial"/>
+            </a:endParaRPr>
           </a:p>
         </p:txBody>
       </p:sp>
@@ -1940,15 +1913,20 @@
               </a:rPr>
               <a:t>”</a:t>
             </a:r>
+            <a:endParaRPr lang="en-US" sz="8000" baseline="0" dirty="0">
+              <a:ln w="3175" cmpd="sng">
+                <a:noFill/>
+              </a:ln>
+              <a:solidFill>
+                <a:schemeClr val="accent1"/>
+              </a:solidFill>
+              <a:effectLst/>
+              <a:latin typeface="Arial"/>
+            </a:endParaRPr>
           </a:p>
         </p:txBody>
       </p:sp>
     </p:spTree>
-    <p:extLst>
-      <p:ext uri="{BB962C8B-B14F-4D97-AF65-F5344CB8AC3E}">
-        <p14:creationId xmlns:p14="http://schemas.microsoft.com/office/powerpoint/2010/main" val="2417273313"/>
-      </p:ext>
-    </p:extLst>
   </p:cSld>
   <p:clrMapOvr>
     <a:masterClrMapping/>
@@ -2048,6 +2026,7 @@
               <a:rPr lang="en-US"/>
               <a:t>Edit Master text styles</a:t>
             </a:r>
+            <a:endParaRPr lang="en-US"/>
           </a:p>
         </p:txBody>
       </p:sp>
@@ -2068,7 +2047,6 @@
           <a:p>
             <a:fld id="{E0910086-ECD1-4273-BC0A-02990D5D5A20}" type="datetimeFigureOut">
               <a:rPr lang="en-GB" smtClean="0"/>
-              <a:t>31/10/2023</a:t>
             </a:fld>
             <a:endParaRPr lang="en-GB"/>
           </a:p>
@@ -2197,18 +2175,12 @@
           <a:p>
             <a:fld id="{A59CAE70-B2C8-4A4A-9721-5B5DC6EE2FF2}" type="slidenum">
               <a:rPr lang="en-GB" smtClean="0"/>
-              <a:t>‹#›</a:t>
             </a:fld>
             <a:endParaRPr lang="en-GB"/>
           </a:p>
         </p:txBody>
       </p:sp>
     </p:spTree>
-    <p:extLst>
-      <p:ext uri="{BB962C8B-B14F-4D97-AF65-F5344CB8AC3E}">
-        <p14:creationId xmlns:p14="http://schemas.microsoft.com/office/powerpoint/2010/main" val="4230493103"/>
-      </p:ext>
-    </p:extLst>
   </p:cSld>
   <p:clrMapOvr>
     <a:masterClrMapping/>
@@ -2324,6 +2296,7 @@
               <a:rPr lang="en-US"/>
               <a:t>Edit Master text styles</a:t>
             </a:r>
+            <a:endParaRPr lang="en-US"/>
           </a:p>
         </p:txBody>
       </p:sp>
@@ -2368,6 +2341,7 @@
               <a:rPr lang="en-US"/>
               <a:t>Edit Master text styles</a:t>
             </a:r>
+            <a:endParaRPr lang="en-US"/>
           </a:p>
         </p:txBody>
       </p:sp>
@@ -2388,7 +2362,6 @@
           <a:p>
             <a:fld id="{E0910086-ECD1-4273-BC0A-02990D5D5A20}" type="datetimeFigureOut">
               <a:rPr lang="en-GB" smtClean="0"/>
-              <a:t>31/10/2023</a:t>
             </a:fld>
             <a:endParaRPr lang="en-GB"/>
           </a:p>
@@ -2517,7 +2490,6 @@
           <a:p>
             <a:fld id="{A59CAE70-B2C8-4A4A-9721-5B5DC6EE2FF2}" type="slidenum">
               <a:rPr lang="en-GB" smtClean="0"/>
-              <a:t>‹#›</a:t>
             </a:fld>
             <a:endParaRPr lang="en-GB"/>
           </a:p>
@@ -2558,6 +2530,16 @@
               </a:rPr>
               <a:t>“</a:t>
             </a:r>
+            <a:endParaRPr lang="en-US" sz="8000" baseline="0" dirty="0">
+              <a:ln w="3175" cmpd="sng">
+                <a:noFill/>
+              </a:ln>
+              <a:solidFill>
+                <a:schemeClr val="accent1"/>
+              </a:solidFill>
+              <a:effectLst/>
+              <a:latin typeface="Arial"/>
+            </a:endParaRPr>
           </a:p>
         </p:txBody>
       </p:sp>
@@ -2596,15 +2578,20 @@
               </a:rPr>
               <a:t>”</a:t>
             </a:r>
+            <a:endParaRPr lang="en-US" sz="8000" baseline="0" dirty="0">
+              <a:ln w="3175" cmpd="sng">
+                <a:noFill/>
+              </a:ln>
+              <a:solidFill>
+                <a:schemeClr val="accent1"/>
+              </a:solidFill>
+              <a:effectLst/>
+              <a:latin typeface="Arial"/>
+            </a:endParaRPr>
           </a:p>
         </p:txBody>
       </p:sp>
     </p:spTree>
-    <p:extLst>
-      <p:ext uri="{BB962C8B-B14F-4D97-AF65-F5344CB8AC3E}">
-        <p14:creationId xmlns:p14="http://schemas.microsoft.com/office/powerpoint/2010/main" val="1692335164"/>
-      </p:ext>
-    </p:extLst>
   </p:cSld>
   <p:clrMapOvr>
     <a:masterClrMapping/>
@@ -2720,6 +2707,7 @@
               <a:rPr lang="en-US"/>
               <a:t>Edit Master text styles</a:t>
             </a:r>
+            <a:endParaRPr lang="en-US"/>
           </a:p>
         </p:txBody>
       </p:sp>
@@ -2764,6 +2752,7 @@
               <a:rPr lang="en-US"/>
               <a:t>Edit Master text styles</a:t>
             </a:r>
+            <a:endParaRPr lang="en-US"/>
           </a:p>
         </p:txBody>
       </p:sp>
@@ -2784,7 +2773,6 @@
           <a:p>
             <a:fld id="{E0910086-ECD1-4273-BC0A-02990D5D5A20}" type="datetimeFigureOut">
               <a:rPr lang="en-GB" smtClean="0"/>
-              <a:t>31/10/2023</a:t>
             </a:fld>
             <a:endParaRPr lang="en-GB"/>
           </a:p>
@@ -2913,18 +2901,12 @@
           <a:p>
             <a:fld id="{A59CAE70-B2C8-4A4A-9721-5B5DC6EE2FF2}" type="slidenum">
               <a:rPr lang="en-GB" smtClean="0"/>
-              <a:t>‹#›</a:t>
             </a:fld>
             <a:endParaRPr lang="en-GB"/>
           </a:p>
         </p:txBody>
       </p:sp>
     </p:spTree>
-    <p:extLst>
-      <p:ext uri="{BB962C8B-B14F-4D97-AF65-F5344CB8AC3E}">
-        <p14:creationId xmlns:p14="http://schemas.microsoft.com/office/powerpoint/2010/main" val="939206446"/>
-      </p:ext>
-    </p:extLst>
   </p:cSld>
   <p:clrMapOvr>
     <a:masterClrMapping/>
@@ -2992,6 +2974,7 @@
               <a:rPr lang="en-US"/>
               <a:t>Edit Master text styles</a:t>
             </a:r>
+            <a:endParaRPr lang="en-US"/>
           </a:p>
           <a:p>
             <a:pPr lvl="1"/>
@@ -2999,6 +2982,7 @@
               <a:rPr lang="en-US"/>
               <a:t>Second level</a:t>
             </a:r>
+            <a:endParaRPr lang="en-US"/>
           </a:p>
           <a:p>
             <a:pPr lvl="2"/>
@@ -3006,6 +2990,7 @@
               <a:rPr lang="en-US"/>
               <a:t>Third level</a:t>
             </a:r>
+            <a:endParaRPr lang="en-US"/>
           </a:p>
           <a:p>
             <a:pPr lvl="3"/>
@@ -3013,6 +2998,7 @@
               <a:rPr lang="en-US"/>
               <a:t>Fourth level</a:t>
             </a:r>
+            <a:endParaRPr lang="en-US"/>
           </a:p>
           <a:p>
             <a:pPr lvl="4"/>
@@ -3041,7 +3027,6 @@
           <a:p>
             <a:fld id="{E0910086-ECD1-4273-BC0A-02990D5D5A20}" type="datetimeFigureOut">
               <a:rPr lang="en-GB" smtClean="0"/>
-              <a:t>31/10/2023</a:t>
             </a:fld>
             <a:endParaRPr lang="en-GB"/>
           </a:p>
@@ -3165,18 +3150,12 @@
           <a:p>
             <a:fld id="{A59CAE70-B2C8-4A4A-9721-5B5DC6EE2FF2}" type="slidenum">
               <a:rPr lang="en-GB" smtClean="0"/>
-              <a:t>‹#›</a:t>
             </a:fld>
             <a:endParaRPr lang="en-GB"/>
           </a:p>
         </p:txBody>
       </p:sp>
     </p:spTree>
-    <p:extLst>
-      <p:ext uri="{BB962C8B-B14F-4D97-AF65-F5344CB8AC3E}">
-        <p14:creationId xmlns:p14="http://schemas.microsoft.com/office/powerpoint/2010/main" val="2408616809"/>
-      </p:ext>
-    </p:extLst>
   </p:cSld>
   <p:clrMapOvr>
     <a:masterClrMapping/>
@@ -3254,6 +3233,7 @@
               <a:rPr lang="en-US"/>
               <a:t>Edit Master text styles</a:t>
             </a:r>
+            <a:endParaRPr lang="en-US"/>
           </a:p>
           <a:p>
             <a:pPr lvl="1"/>
@@ -3261,6 +3241,7 @@
               <a:rPr lang="en-US"/>
               <a:t>Second level</a:t>
             </a:r>
+            <a:endParaRPr lang="en-US"/>
           </a:p>
           <a:p>
             <a:pPr lvl="2"/>
@@ -3268,6 +3249,7 @@
               <a:rPr lang="en-US"/>
               <a:t>Third level</a:t>
             </a:r>
+            <a:endParaRPr lang="en-US"/>
           </a:p>
           <a:p>
             <a:pPr lvl="3"/>
@@ -3275,6 +3257,7 @@
               <a:rPr lang="en-US"/>
               <a:t>Fourth level</a:t>
             </a:r>
+            <a:endParaRPr lang="en-US"/>
           </a:p>
           <a:p>
             <a:pPr lvl="4"/>
@@ -3303,7 +3286,6 @@
           <a:p>
             <a:fld id="{E0910086-ECD1-4273-BC0A-02990D5D5A20}" type="datetimeFigureOut">
               <a:rPr lang="en-GB" smtClean="0"/>
-              <a:t>31/10/2023</a:t>
             </a:fld>
             <a:endParaRPr lang="en-GB"/>
           </a:p>
@@ -3427,18 +3409,12 @@
           <a:p>
             <a:fld id="{A59CAE70-B2C8-4A4A-9721-5B5DC6EE2FF2}" type="slidenum">
               <a:rPr lang="en-GB" smtClean="0"/>
-              <a:t>‹#›</a:t>
             </a:fld>
             <a:endParaRPr lang="en-GB"/>
           </a:p>
         </p:txBody>
       </p:sp>
     </p:spTree>
-    <p:extLst>
-      <p:ext uri="{BB962C8B-B14F-4D97-AF65-F5344CB8AC3E}">
-        <p14:creationId xmlns:p14="http://schemas.microsoft.com/office/powerpoint/2010/main" val="2702978736"/>
-      </p:ext>
-    </p:extLst>
   </p:cSld>
   <p:clrMapOvr>
     <a:masterClrMapping/>
@@ -3516,6 +3492,7 @@
               <a:rPr lang="en-US"/>
               <a:t>Edit Master text styles</a:t>
             </a:r>
+            <a:endParaRPr lang="en-US"/>
           </a:p>
           <a:p>
             <a:pPr lvl="1"/>
@@ -3523,6 +3500,7 @@
               <a:rPr lang="en-US"/>
               <a:t>Second level</a:t>
             </a:r>
+            <a:endParaRPr lang="en-US"/>
           </a:p>
           <a:p>
             <a:pPr lvl="2"/>
@@ -3530,6 +3508,7 @@
               <a:rPr lang="en-US"/>
               <a:t>Third level</a:t>
             </a:r>
+            <a:endParaRPr lang="en-US"/>
           </a:p>
           <a:p>
             <a:pPr lvl="3"/>
@@ -3537,6 +3516,7 @@
               <a:rPr lang="en-US"/>
               <a:t>Fourth level</a:t>
             </a:r>
+            <a:endParaRPr lang="en-US"/>
           </a:p>
           <a:p>
             <a:pPr lvl="4"/>
@@ -3565,7 +3545,6 @@
           <a:p>
             <a:fld id="{E0910086-ECD1-4273-BC0A-02990D5D5A20}" type="datetimeFigureOut">
               <a:rPr lang="en-GB" smtClean="0"/>
-              <a:t>31/10/2023</a:t>
             </a:fld>
             <a:endParaRPr lang="en-GB"/>
           </a:p>
@@ -3689,18 +3668,12 @@
           <a:p>
             <a:fld id="{A59CAE70-B2C8-4A4A-9721-5B5DC6EE2FF2}" type="slidenum">
               <a:rPr lang="en-GB" smtClean="0"/>
-              <a:t>‹#›</a:t>
             </a:fld>
             <a:endParaRPr lang="en-GB"/>
           </a:p>
         </p:txBody>
       </p:sp>
     </p:spTree>
-    <p:extLst>
-      <p:ext uri="{BB962C8B-B14F-4D97-AF65-F5344CB8AC3E}">
-        <p14:creationId xmlns:p14="http://schemas.microsoft.com/office/powerpoint/2010/main" val="484832250"/>
-      </p:ext>
-    </p:extLst>
   </p:cSld>
   <p:clrMapOvr>
     <a:masterClrMapping/>
@@ -3874,6 +3847,7 @@
               <a:rPr lang="en-US"/>
               <a:t>Edit Master text styles</a:t>
             </a:r>
+            <a:endParaRPr lang="en-US"/>
           </a:p>
         </p:txBody>
       </p:sp>
@@ -3894,7 +3868,6 @@
           <a:p>
             <a:fld id="{E0910086-ECD1-4273-BC0A-02990D5D5A20}" type="datetimeFigureOut">
               <a:rPr lang="en-GB" smtClean="0"/>
-              <a:t>31/10/2023</a:t>
             </a:fld>
             <a:endParaRPr lang="en-GB"/>
           </a:p>
@@ -4023,18 +3996,12 @@
           <a:p>
             <a:fld id="{A59CAE70-B2C8-4A4A-9721-5B5DC6EE2FF2}" type="slidenum">
               <a:rPr lang="en-GB" smtClean="0"/>
-              <a:t>‹#›</a:t>
             </a:fld>
             <a:endParaRPr lang="en-GB"/>
           </a:p>
         </p:txBody>
       </p:sp>
     </p:spTree>
-    <p:extLst>
-      <p:ext uri="{BB962C8B-B14F-4D97-AF65-F5344CB8AC3E}">
-        <p14:creationId xmlns:p14="http://schemas.microsoft.com/office/powerpoint/2010/main" val="3171216749"/>
-      </p:ext>
-    </p:extLst>
   </p:cSld>
   <p:clrMapOvr>
     <a:masterClrMapping/>
@@ -4109,6 +4076,7 @@
               <a:rPr lang="en-US"/>
               <a:t>Edit Master text styles</a:t>
             </a:r>
+            <a:endParaRPr lang="en-US"/>
           </a:p>
           <a:p>
             <a:pPr lvl="1"/>
@@ -4116,6 +4084,7 @@
               <a:rPr lang="en-US"/>
               <a:t>Second level</a:t>
             </a:r>
+            <a:endParaRPr lang="en-US"/>
           </a:p>
           <a:p>
             <a:pPr lvl="2"/>
@@ -4123,6 +4092,7 @@
               <a:rPr lang="en-US"/>
               <a:t>Third level</a:t>
             </a:r>
+            <a:endParaRPr lang="en-US"/>
           </a:p>
           <a:p>
             <a:pPr lvl="3"/>
@@ -4130,6 +4100,7 @@
               <a:rPr lang="en-US"/>
               <a:t>Fourth level</a:t>
             </a:r>
+            <a:endParaRPr lang="en-US"/>
           </a:p>
           <a:p>
             <a:pPr lvl="4"/>
@@ -4168,6 +4139,7 @@
               <a:rPr lang="en-US"/>
               <a:t>Edit Master text styles</a:t>
             </a:r>
+            <a:endParaRPr lang="en-US"/>
           </a:p>
           <a:p>
             <a:pPr lvl="1"/>
@@ -4175,6 +4147,7 @@
               <a:rPr lang="en-US"/>
               <a:t>Second level</a:t>
             </a:r>
+            <a:endParaRPr lang="en-US"/>
           </a:p>
           <a:p>
             <a:pPr lvl="2"/>
@@ -4182,6 +4155,7 @@
               <a:rPr lang="en-US"/>
               <a:t>Third level</a:t>
             </a:r>
+            <a:endParaRPr lang="en-US"/>
           </a:p>
           <a:p>
             <a:pPr lvl="3"/>
@@ -4189,6 +4163,7 @@
               <a:rPr lang="en-US"/>
               <a:t>Fourth level</a:t>
             </a:r>
+            <a:endParaRPr lang="en-US"/>
           </a:p>
           <a:p>
             <a:pPr lvl="4"/>
@@ -4217,7 +4192,6 @@
           <a:p>
             <a:fld id="{E0910086-ECD1-4273-BC0A-02990D5D5A20}" type="datetimeFigureOut">
               <a:rPr lang="en-GB" smtClean="0"/>
-              <a:t>31/10/2023</a:t>
             </a:fld>
             <a:endParaRPr lang="en-GB"/>
           </a:p>
@@ -4346,18 +4320,12 @@
           <a:p>
             <a:fld id="{A59CAE70-B2C8-4A4A-9721-5B5DC6EE2FF2}" type="slidenum">
               <a:rPr lang="en-GB" smtClean="0"/>
-              <a:t>‹#›</a:t>
             </a:fld>
             <a:endParaRPr lang="en-GB"/>
           </a:p>
         </p:txBody>
       </p:sp>
     </p:spTree>
-    <p:extLst>
-      <p:ext uri="{BB962C8B-B14F-4D97-AF65-F5344CB8AC3E}">
-        <p14:creationId xmlns:p14="http://schemas.microsoft.com/office/powerpoint/2010/main" val="1019540769"/>
-      </p:ext>
-    </p:extLst>
   </p:cSld>
   <p:clrMapOvr>
     <a:masterClrMapping/>
@@ -4469,6 +4437,7 @@
               <a:rPr lang="en-US"/>
               <a:t>Edit Master text styles</a:t>
             </a:r>
+            <a:endParaRPr lang="en-US"/>
           </a:p>
         </p:txBody>
       </p:sp>
@@ -4499,6 +4468,7 @@
               <a:rPr lang="en-US"/>
               <a:t>Edit Master text styles</a:t>
             </a:r>
+            <a:endParaRPr lang="en-US"/>
           </a:p>
           <a:p>
             <a:pPr lvl="1"/>
@@ -4506,6 +4476,7 @@
               <a:rPr lang="en-US"/>
               <a:t>Second level</a:t>
             </a:r>
+            <a:endParaRPr lang="en-US"/>
           </a:p>
           <a:p>
             <a:pPr lvl="2"/>
@@ -4513,6 +4484,7 @@
               <a:rPr lang="en-US"/>
               <a:t>Third level</a:t>
             </a:r>
+            <a:endParaRPr lang="en-US"/>
           </a:p>
           <a:p>
             <a:pPr lvl="3"/>
@@ -4520,6 +4492,7 @@
               <a:rPr lang="en-US"/>
               <a:t>Fourth level</a:t>
             </a:r>
+            <a:endParaRPr lang="en-US"/>
           </a:p>
           <a:p>
             <a:pPr lvl="4"/>
@@ -4595,6 +4568,7 @@
               <a:rPr lang="en-US"/>
               <a:t>Edit Master text styles</a:t>
             </a:r>
+            <a:endParaRPr lang="en-US"/>
           </a:p>
         </p:txBody>
       </p:sp>
@@ -4625,6 +4599,7 @@
               <a:rPr lang="en-US"/>
               <a:t>Edit Master text styles</a:t>
             </a:r>
+            <a:endParaRPr lang="en-US"/>
           </a:p>
           <a:p>
             <a:pPr lvl="1"/>
@@ -4632,6 +4607,7 @@
               <a:rPr lang="en-US"/>
               <a:t>Second level</a:t>
             </a:r>
+            <a:endParaRPr lang="en-US"/>
           </a:p>
           <a:p>
             <a:pPr lvl="2"/>
@@ -4639,6 +4615,7 @@
               <a:rPr lang="en-US"/>
               <a:t>Third level</a:t>
             </a:r>
+            <a:endParaRPr lang="en-US"/>
           </a:p>
           <a:p>
             <a:pPr lvl="3"/>
@@ -4646,6 +4623,7 @@
               <a:rPr lang="en-US"/>
               <a:t>Fourth level</a:t>
             </a:r>
+            <a:endParaRPr lang="en-US"/>
           </a:p>
           <a:p>
             <a:pPr lvl="4"/>
@@ -4674,7 +4652,6 @@
           <a:p>
             <a:fld id="{E0910086-ECD1-4273-BC0A-02990D5D5A20}" type="datetimeFigureOut">
               <a:rPr lang="en-GB" smtClean="0"/>
-              <a:t>31/10/2023</a:t>
             </a:fld>
             <a:endParaRPr lang="en-GB"/>
           </a:p>
@@ -4803,18 +4780,12 @@
           <a:p>
             <a:fld id="{A59CAE70-B2C8-4A4A-9721-5B5DC6EE2FF2}" type="slidenum">
               <a:rPr lang="en-GB" smtClean="0"/>
-              <a:t>‹#›</a:t>
             </a:fld>
             <a:endParaRPr lang="en-GB"/>
           </a:p>
         </p:txBody>
       </p:sp>
     </p:spTree>
-    <p:extLst>
-      <p:ext uri="{BB962C8B-B14F-4D97-AF65-F5344CB8AC3E}">
-        <p14:creationId xmlns:p14="http://schemas.microsoft.com/office/powerpoint/2010/main" val="1096439113"/>
-      </p:ext>
-    </p:extLst>
   </p:cSld>
   <p:clrMapOvr>
     <a:masterClrMapping/>
@@ -4879,7 +4850,6 @@
           <a:p>
             <a:fld id="{E0910086-ECD1-4273-BC0A-02990D5D5A20}" type="datetimeFigureOut">
               <a:rPr lang="en-GB" smtClean="0"/>
-              <a:t>31/10/2023</a:t>
             </a:fld>
             <a:endParaRPr lang="en-GB"/>
           </a:p>
@@ -5003,18 +4973,12 @@
           <a:p>
             <a:fld id="{A59CAE70-B2C8-4A4A-9721-5B5DC6EE2FF2}" type="slidenum">
               <a:rPr lang="en-GB" smtClean="0"/>
-              <a:t>‹#›</a:t>
             </a:fld>
             <a:endParaRPr lang="en-GB"/>
           </a:p>
         </p:txBody>
       </p:sp>
     </p:spTree>
-    <p:extLst>
-      <p:ext uri="{BB962C8B-B14F-4D97-AF65-F5344CB8AC3E}">
-        <p14:creationId xmlns:p14="http://schemas.microsoft.com/office/powerpoint/2010/main" val="2982826422"/>
-      </p:ext>
-    </p:extLst>
   </p:cSld>
   <p:clrMapOvr>
     <a:masterClrMapping/>
@@ -5056,7 +5020,6 @@
           <a:p>
             <a:fld id="{E0910086-ECD1-4273-BC0A-02990D5D5A20}" type="datetimeFigureOut">
               <a:rPr lang="en-GB" smtClean="0"/>
-              <a:t>31/10/2023</a:t>
             </a:fld>
             <a:endParaRPr lang="en-GB"/>
           </a:p>
@@ -5180,18 +5143,12 @@
           <a:p>
             <a:fld id="{A59CAE70-B2C8-4A4A-9721-5B5DC6EE2FF2}" type="slidenum">
               <a:rPr lang="en-GB" smtClean="0"/>
-              <a:t>‹#›</a:t>
             </a:fld>
             <a:endParaRPr lang="en-GB"/>
           </a:p>
         </p:txBody>
       </p:sp>
     </p:spTree>
-    <p:extLst>
-      <p:ext uri="{BB962C8B-B14F-4D97-AF65-F5344CB8AC3E}">
-        <p14:creationId xmlns:p14="http://schemas.microsoft.com/office/powerpoint/2010/main" val="830273219"/>
-      </p:ext>
-    </p:extLst>
   </p:cSld>
   <p:clrMapOvr>
     <a:masterClrMapping/>
@@ -5275,6 +5232,7 @@
               <a:rPr lang="en-US"/>
               <a:t>Edit Master text styles</a:t>
             </a:r>
+            <a:endParaRPr lang="en-US"/>
           </a:p>
           <a:p>
             <a:pPr lvl="1"/>
@@ -5282,6 +5240,7 @@
               <a:rPr lang="en-US"/>
               <a:t>Second level</a:t>
             </a:r>
+            <a:endParaRPr lang="en-US"/>
           </a:p>
           <a:p>
             <a:pPr lvl="2"/>
@@ -5289,6 +5248,7 @@
               <a:rPr lang="en-US"/>
               <a:t>Third level</a:t>
             </a:r>
+            <a:endParaRPr lang="en-US"/>
           </a:p>
           <a:p>
             <a:pPr lvl="3"/>
@@ -5296,6 +5256,7 @@
               <a:rPr lang="en-US"/>
               <a:t>Fourth level</a:t>
             </a:r>
+            <a:endParaRPr lang="en-US"/>
           </a:p>
           <a:p>
             <a:pPr lvl="4"/>
@@ -5369,6 +5330,7 @@
               <a:rPr lang="en-US"/>
               <a:t>Edit Master text styles</a:t>
             </a:r>
+            <a:endParaRPr lang="en-US"/>
           </a:p>
         </p:txBody>
       </p:sp>
@@ -5389,7 +5351,6 @@
           <a:p>
             <a:fld id="{E0910086-ECD1-4273-BC0A-02990D5D5A20}" type="datetimeFigureOut">
               <a:rPr lang="en-GB" smtClean="0"/>
-              <a:t>31/10/2023</a:t>
             </a:fld>
             <a:endParaRPr lang="en-GB"/>
           </a:p>
@@ -5513,18 +5474,12 @@
           <a:p>
             <a:fld id="{A59CAE70-B2C8-4A4A-9721-5B5DC6EE2FF2}" type="slidenum">
               <a:rPr lang="en-GB" smtClean="0"/>
-              <a:t>‹#›</a:t>
             </a:fld>
             <a:endParaRPr lang="en-GB"/>
           </a:p>
         </p:txBody>
       </p:sp>
     </p:spTree>
-    <p:extLst>
-      <p:ext uri="{BB962C8B-B14F-4D97-AF65-F5344CB8AC3E}">
-        <p14:creationId xmlns:p14="http://schemas.microsoft.com/office/powerpoint/2010/main" val="810043364"/>
-      </p:ext>
-    </p:extLst>
   </p:cSld>
   <p:clrMapOvr>
     <a:masterClrMapping/>
@@ -5714,6 +5669,7 @@
               <a:rPr lang="en-US"/>
               <a:t>Edit Master text styles</a:t>
             </a:r>
+            <a:endParaRPr lang="en-US"/>
           </a:p>
         </p:txBody>
       </p:sp>
@@ -5734,7 +5690,6 @@
           <a:p>
             <a:fld id="{E0910086-ECD1-4273-BC0A-02990D5D5A20}" type="datetimeFigureOut">
               <a:rPr lang="en-GB" smtClean="0"/>
-              <a:t>31/10/2023</a:t>
             </a:fld>
             <a:endParaRPr lang="en-GB"/>
           </a:p>
@@ -5863,18 +5818,12 @@
           <a:p>
             <a:fld id="{A59CAE70-B2C8-4A4A-9721-5B5DC6EE2FF2}" type="slidenum">
               <a:rPr lang="en-GB" smtClean="0"/>
-              <a:t>‹#›</a:t>
             </a:fld>
             <a:endParaRPr lang="en-GB"/>
           </a:p>
         </p:txBody>
       </p:sp>
     </p:spTree>
-    <p:extLst>
-      <p:ext uri="{BB962C8B-B14F-4D97-AF65-F5344CB8AC3E}">
-        <p14:creationId xmlns:p14="http://schemas.microsoft.com/office/powerpoint/2010/main" val="2665381642"/>
-      </p:ext>
-    </p:extLst>
   </p:cSld>
   <p:clrMapOvr>
     <a:masterClrMapping/>
@@ -7784,6 +7733,7 @@
               <a:rPr lang="en-US"/>
               <a:t>Edit Master text styles</a:t>
             </a:r>
+            <a:endParaRPr lang="en-US"/>
           </a:p>
           <a:p>
             <a:pPr lvl="1"/>
@@ -7791,6 +7741,7 @@
               <a:rPr lang="en-US"/>
               <a:t>Second level</a:t>
             </a:r>
+            <a:endParaRPr lang="en-US"/>
           </a:p>
           <a:p>
             <a:pPr lvl="2"/>
@@ -7798,6 +7749,7 @@
               <a:rPr lang="en-US"/>
               <a:t>Third level</a:t>
             </a:r>
+            <a:endParaRPr lang="en-US"/>
           </a:p>
           <a:p>
             <a:pPr lvl="3"/>
@@ -7805,6 +7757,7 @@
               <a:rPr lang="en-US"/>
               <a:t>Fourth level</a:t>
             </a:r>
+            <a:endParaRPr lang="en-US"/>
           </a:p>
           <a:p>
             <a:pPr lvl="4"/>
@@ -7851,7 +7804,6 @@
           <a:p>
             <a:fld id="{E0910086-ECD1-4273-BC0A-02990D5D5A20}" type="datetimeFigureOut">
               <a:rPr lang="en-GB" smtClean="0"/>
-              <a:t>31/10/2023</a:t>
             </a:fld>
             <a:endParaRPr lang="en-GB"/>
           </a:p>
@@ -7927,37 +7879,31 @@
           <a:p>
             <a:fld id="{A59CAE70-B2C8-4A4A-9721-5B5DC6EE2FF2}" type="slidenum">
               <a:rPr lang="en-GB" smtClean="0"/>
-              <a:t>‹#›</a:t>
             </a:fld>
             <a:endParaRPr lang="en-GB"/>
           </a:p>
         </p:txBody>
       </p:sp>
     </p:spTree>
-    <p:extLst>
-      <p:ext uri="{BB962C8B-B14F-4D97-AF65-F5344CB8AC3E}">
-        <p14:creationId xmlns:p14="http://schemas.microsoft.com/office/powerpoint/2010/main" val="535551200"/>
-      </p:ext>
-    </p:extLst>
   </p:cSld>
   <p:clrMap bg1="lt1" tx1="dk1" bg2="lt2" tx2="dk2" accent1="accent1" accent2="accent2" accent3="accent3" accent4="accent4" accent5="accent5" accent6="accent6" hlink="hlink" folHlink="folHlink"/>
   <p:sldLayoutIdLst>
-    <p:sldLayoutId id="2147483661" r:id="rId1"/>
-    <p:sldLayoutId id="2147483662" r:id="rId2"/>
-    <p:sldLayoutId id="2147483663" r:id="rId3"/>
-    <p:sldLayoutId id="2147483664" r:id="rId4"/>
-    <p:sldLayoutId id="2147483665" r:id="rId5"/>
-    <p:sldLayoutId id="2147483666" r:id="rId6"/>
-    <p:sldLayoutId id="2147483667" r:id="rId7"/>
-    <p:sldLayoutId id="2147483668" r:id="rId8"/>
-    <p:sldLayoutId id="2147483669" r:id="rId9"/>
-    <p:sldLayoutId id="2147483670" r:id="rId10"/>
-    <p:sldLayoutId id="2147483671" r:id="rId11"/>
-    <p:sldLayoutId id="2147483672" r:id="rId12"/>
-    <p:sldLayoutId id="2147483673" r:id="rId13"/>
-    <p:sldLayoutId id="2147483674" r:id="rId14"/>
-    <p:sldLayoutId id="2147483675" r:id="rId15"/>
-    <p:sldLayoutId id="2147483676" r:id="rId16"/>
+    <p:sldLayoutId id="2147483649" r:id="rId1"/>
+    <p:sldLayoutId id="2147483650" r:id="rId2"/>
+    <p:sldLayoutId id="2147483651" r:id="rId3"/>
+    <p:sldLayoutId id="2147483652" r:id="rId4"/>
+    <p:sldLayoutId id="2147483653" r:id="rId5"/>
+    <p:sldLayoutId id="2147483654" r:id="rId6"/>
+    <p:sldLayoutId id="2147483655" r:id="rId7"/>
+    <p:sldLayoutId id="2147483656" r:id="rId8"/>
+    <p:sldLayoutId id="2147483657" r:id="rId9"/>
+    <p:sldLayoutId id="2147483658" r:id="rId10"/>
+    <p:sldLayoutId id="2147483659" r:id="rId11"/>
+    <p:sldLayoutId id="2147483660" r:id="rId12"/>
+    <p:sldLayoutId id="2147483661" r:id="rId13"/>
+    <p:sldLayoutId id="2147483662" r:id="rId14"/>
+    <p:sldLayoutId id="2147483663" r:id="rId15"/>
+    <p:sldLayoutId id="2147483664" r:id="rId16"/>
   </p:sldLayoutIdLst>
   <p:txStyles>
     <p:titleStyle>
@@ -8371,13 +8317,7 @@
       </p:grpSpPr>
       <p:sp>
         <p:nvSpPr>
-          <p:cNvPr id="2" name="Title 1">
-            <a:extLst>
-              <a:ext uri="{FF2B5EF4-FFF2-40B4-BE49-F238E27FC236}">
-                <a16:creationId xmlns:a16="http://schemas.microsoft.com/office/drawing/2014/main" id="{AC5C1698-AD8C-419F-B746-D7EB96BE9BED}"/>
-              </a:ext>
-            </a:extLst>
-          </p:cNvPr>
+          <p:cNvPr id="2" name="Title 1"/>
           <p:cNvSpPr>
             <a:spLocks noGrp="1"/>
           </p:cNvSpPr>
@@ -8390,19 +8330,17 @@
           <a:bodyPr/>
           <a:lstStyle/>
           <a:p>
-            <a:endParaRPr lang="en-GB" dirty="0"/>
-          </a:p>
-        </p:txBody>
-      </p:sp>
-      <p:sp>
-        <p:nvSpPr>
-          <p:cNvPr id="3" name="Subtitle 2">
-            <a:extLst>
-              <a:ext uri="{FF2B5EF4-FFF2-40B4-BE49-F238E27FC236}">
-                <a16:creationId xmlns:a16="http://schemas.microsoft.com/office/drawing/2014/main" id="{55E45098-A3DF-4DF5-8DFC-287D91E43655}"/>
-              </a:ext>
-            </a:extLst>
-          </p:cNvPr>
+            <a:r>
+              <a:rPr lang="en-US" altLang="en-GB" dirty="0"/>
+              <a:t>r</a:t>
+            </a:r>
+            <a:endParaRPr lang="en-US" altLang="en-GB" dirty="0"/>
+          </a:p>
+        </p:txBody>
+      </p:sp>
+      <p:sp>
+        <p:nvSpPr>
+          <p:cNvPr id="3" name="Subtitle 2"/>
           <p:cNvSpPr>
             <a:spLocks noGrp="1"/>
           </p:cNvSpPr>
@@ -8420,11 +8358,6 @@
         </p:txBody>
       </p:sp>
     </p:spTree>
-    <p:extLst>
-      <p:ext uri="{BB962C8B-B14F-4D97-AF65-F5344CB8AC3E}">
-        <p14:creationId xmlns:p14="http://schemas.microsoft.com/office/powerpoint/2010/main" val="951809786"/>
-      </p:ext>
-    </p:extLst>
   </p:cSld>
   <p:clrMapOvr>
     <a:masterClrMapping/>
@@ -8451,13 +8384,7 @@
       </p:grpSpPr>
       <p:sp>
         <p:nvSpPr>
-          <p:cNvPr id="2" name="Title 1">
-            <a:extLst>
-              <a:ext uri="{FF2B5EF4-FFF2-40B4-BE49-F238E27FC236}">
-                <a16:creationId xmlns:a16="http://schemas.microsoft.com/office/drawing/2014/main" id="{E22D7F7B-457A-40C1-AB38-58EEFB512480}"/>
-              </a:ext>
-            </a:extLst>
-          </p:cNvPr>
+          <p:cNvPr id="2" name="Title 1"/>
           <p:cNvSpPr>
             <a:spLocks noGrp="1"/>
           </p:cNvSpPr>
@@ -8479,18 +8406,13 @@
               <a:rPr lang="en-GB" dirty="0"/>
               <a:t>Security Operation Centres</a:t>
             </a:r>
-          </a:p>
-        </p:txBody>
-      </p:sp>
-      <p:sp>
-        <p:nvSpPr>
-          <p:cNvPr id="3" name="Content Placeholder 2">
-            <a:extLst>
-              <a:ext uri="{FF2B5EF4-FFF2-40B4-BE49-F238E27FC236}">
-                <a16:creationId xmlns:a16="http://schemas.microsoft.com/office/drawing/2014/main" id="{273FE712-D8DF-4976-9EDA-77719CE684C2}"/>
-              </a:ext>
-            </a:extLst>
-          </p:cNvPr>
+            <a:endParaRPr lang="en-GB" dirty="0"/>
+          </a:p>
+        </p:txBody>
+      </p:sp>
+      <p:sp>
+        <p:nvSpPr>
+          <p:cNvPr id="3" name="Content Placeholder 2"/>
           <p:cNvSpPr>
             <a:spLocks noGrp="1"/>
           </p:cNvSpPr>
@@ -8513,6 +8435,7 @@
               <a:rPr lang="en-US" dirty="0"/>
               <a:t>There are always challenges that are specific to an organization, and these challenges are introduced because of issues related to </a:t>
             </a:r>
+            <a:endParaRPr lang="en-US" dirty="0"/>
           </a:p>
           <a:p>
             <a:pPr lvl="1" algn="just"/>
@@ -8520,6 +8443,7 @@
               <a:rPr lang="en-US" dirty="0"/>
               <a:t>Governance</a:t>
             </a:r>
+            <a:endParaRPr lang="en-US" dirty="0"/>
           </a:p>
           <a:p>
             <a:pPr lvl="1" algn="just"/>
@@ -8527,6 +8451,7 @@
               <a:rPr lang="en-US" dirty="0"/>
               <a:t>Collaboration</a:t>
             </a:r>
+            <a:endParaRPr lang="en-US" dirty="0"/>
           </a:p>
           <a:p>
             <a:pPr lvl="1" algn="just"/>
@@ -8534,6 +8459,7 @@
               <a:rPr lang="en-US" dirty="0"/>
               <a:t>Lack of tools</a:t>
             </a:r>
+            <a:endParaRPr lang="en-US" dirty="0"/>
           </a:p>
           <a:p>
             <a:pPr lvl="1" algn="just"/>
@@ -8541,6 +8467,7 @@
               <a:rPr lang="en-US" dirty="0"/>
               <a:t>Lack of automation</a:t>
             </a:r>
+            <a:endParaRPr lang="en-US" dirty="0"/>
           </a:p>
           <a:p>
             <a:pPr lvl="1" algn="just"/>
@@ -8548,6 +8475,7 @@
               <a:rPr lang="en-US" dirty="0"/>
               <a:t>Lack of threat intelligence skill sets, and so on. </a:t>
             </a:r>
+            <a:endParaRPr lang="en-US" dirty="0"/>
           </a:p>
           <a:p>
             <a:pPr algn="just"/>
@@ -8564,11 +8492,6 @@
         </p:txBody>
       </p:sp>
     </p:spTree>
-    <p:extLst>
-      <p:ext uri="{BB962C8B-B14F-4D97-AF65-F5344CB8AC3E}">
-        <p14:creationId xmlns:p14="http://schemas.microsoft.com/office/powerpoint/2010/main" val="3552219535"/>
-      </p:ext>
-    </p:extLst>
   </p:cSld>
   <p:clrMapOvr>
     <a:masterClrMapping/>
@@ -8595,13 +8518,7 @@
       </p:grpSpPr>
       <p:sp>
         <p:nvSpPr>
-          <p:cNvPr id="2" name="Title 1">
-            <a:extLst>
-              <a:ext uri="{FF2B5EF4-FFF2-40B4-BE49-F238E27FC236}">
-                <a16:creationId xmlns:a16="http://schemas.microsoft.com/office/drawing/2014/main" id="{14A2EF35-6050-48DF-AC41-F240053876A8}"/>
-              </a:ext>
-            </a:extLst>
-          </p:cNvPr>
+          <p:cNvPr id="2" name="Title 1"/>
           <p:cNvSpPr>
             <a:spLocks noGrp="1"/>
           </p:cNvSpPr>
@@ -8625,18 +8542,13 @@
               <a:rPr lang="en-GB" dirty="0"/>
               <a:t>Security Operation Centres</a:t>
             </a:r>
-          </a:p>
-        </p:txBody>
-      </p:sp>
-      <p:sp>
-        <p:nvSpPr>
-          <p:cNvPr id="3" name="Content Placeholder 2">
-            <a:extLst>
-              <a:ext uri="{FF2B5EF4-FFF2-40B4-BE49-F238E27FC236}">
-                <a16:creationId xmlns:a16="http://schemas.microsoft.com/office/drawing/2014/main" id="{B2BEF758-03DC-4E00-AF4D-B9F8C36D622E}"/>
-              </a:ext>
-            </a:extLst>
-          </p:cNvPr>
+            <a:endParaRPr lang="en-GB" dirty="0"/>
+          </a:p>
+        </p:txBody>
+      </p:sp>
+      <p:sp>
+        <p:nvSpPr>
+          <p:cNvPr id="3" name="Content Placeholder 2"/>
           <p:cNvSpPr>
             <a:spLocks noGrp="1"/>
           </p:cNvSpPr>
@@ -8670,6 +8582,7 @@
               <a:rPr lang="en-US" dirty="0"/>
               <a:t>How can you detect a compromise in a timely manner?</a:t>
             </a:r>
+            <a:endParaRPr lang="en-US" dirty="0"/>
           </a:p>
           <a:p>
             <a:pPr lvl="1"/>
@@ -8677,6 +8590,7 @@
               <a:rPr lang="en-US" dirty="0"/>
               <a:t>How do you triage a compromise to determine the severity and the scope?</a:t>
             </a:r>
+            <a:endParaRPr lang="en-US" dirty="0"/>
           </a:p>
           <a:p>
             <a:pPr lvl="1"/>
@@ -8684,6 +8598,7 @@
               <a:rPr lang="en-US" dirty="0"/>
               <a:t>What is the impact of the compromise to your business?</a:t>
             </a:r>
+            <a:endParaRPr lang="en-US" dirty="0"/>
           </a:p>
           <a:p>
             <a:pPr lvl="1"/>
@@ -8691,6 +8606,7 @@
               <a:rPr lang="en-US" dirty="0"/>
               <a:t>Who is responsible for detecting and mitigating a compromise?</a:t>
             </a:r>
+            <a:endParaRPr lang="en-US" dirty="0"/>
           </a:p>
           <a:p>
             <a:pPr lvl="1"/>
@@ -8698,6 +8614,7 @@
               <a:rPr lang="en-US" dirty="0"/>
               <a:t>Who should be informed or involved, and when do you deal with the compromise once detected?</a:t>
             </a:r>
+            <a:endParaRPr lang="en-US" dirty="0"/>
           </a:p>
           <a:p>
             <a:pPr lvl="1"/>
@@ -8705,6 +8622,7 @@
               <a:rPr lang="en-US" dirty="0"/>
               <a:t>How and when should you communicate a compromise internally or externally, and is that needed in the first place?</a:t>
             </a:r>
+            <a:endParaRPr lang="en-US" dirty="0"/>
           </a:p>
           <a:p>
             <a:endParaRPr lang="en-GB" dirty="0"/>
@@ -8712,11 +8630,6 @@
         </p:txBody>
       </p:sp>
     </p:spTree>
-    <p:extLst>
-      <p:ext uri="{BB962C8B-B14F-4D97-AF65-F5344CB8AC3E}">
-        <p14:creationId xmlns:p14="http://schemas.microsoft.com/office/powerpoint/2010/main" val="3337606581"/>
-      </p:ext>
-    </p:extLst>
   </p:cSld>
   <p:clrMapOvr>
     <a:masterClrMapping/>
@@ -8743,13 +8656,7 @@
       </p:grpSpPr>
       <p:sp>
         <p:nvSpPr>
-          <p:cNvPr id="2" name="Title 1">
-            <a:extLst>
-              <a:ext uri="{FF2B5EF4-FFF2-40B4-BE49-F238E27FC236}">
-                <a16:creationId xmlns:a16="http://schemas.microsoft.com/office/drawing/2014/main" id="{162F5653-3701-4465-990B-D5C7AB053FED}"/>
-              </a:ext>
-            </a:extLst>
-          </p:cNvPr>
+          <p:cNvPr id="2" name="Title 1"/>
           <p:cNvSpPr>
             <a:spLocks noGrp="1"/>
           </p:cNvSpPr>
@@ -8771,18 +8678,13 @@
               <a:rPr lang="en-GB" dirty="0"/>
               <a:t>Security Operation Centres</a:t>
             </a:r>
-          </a:p>
-        </p:txBody>
-      </p:sp>
-      <p:sp>
-        <p:nvSpPr>
-          <p:cNvPr id="3" name="Content Placeholder 2">
-            <a:extLst>
-              <a:ext uri="{FF2B5EF4-FFF2-40B4-BE49-F238E27FC236}">
-                <a16:creationId xmlns:a16="http://schemas.microsoft.com/office/drawing/2014/main" id="{0ED5B035-1C37-4FC6-A4CB-CCB4193860D2}"/>
-              </a:ext>
-            </a:extLst>
-          </p:cNvPr>
+            <a:endParaRPr lang="en-GB" dirty="0"/>
+          </a:p>
+        </p:txBody>
+      </p:sp>
+      <p:sp>
+        <p:nvSpPr>
+          <p:cNvPr id="3" name="Content Placeholder 2"/>
           <p:cNvSpPr>
             <a:spLocks noGrp="1"/>
           </p:cNvSpPr>
@@ -8806,6 +8708,7 @@
               <a:rPr lang="en-US" dirty="0"/>
               <a:t>To build and operate an effective SOC, you must have the following:</a:t>
             </a:r>
+            <a:endParaRPr lang="en-US" dirty="0"/>
           </a:p>
           <a:p>
             <a:pPr lvl="1"/>
@@ -8813,6 +8716,7 @@
               <a:rPr lang="en-US" dirty="0"/>
               <a:t>Executive sponsorship.</a:t>
             </a:r>
+            <a:endParaRPr lang="en-US" dirty="0"/>
           </a:p>
           <a:p>
             <a:pPr lvl="1"/>
@@ -8824,6 +8728,7 @@
               <a:rPr lang="en-US" dirty="0"/>
               <a:t>SOC operating as a program. </a:t>
             </a:r>
+            <a:endParaRPr lang="en-US" dirty="0"/>
           </a:p>
           <a:p>
             <a:pPr marL="717550" lvl="2" indent="0">
@@ -8833,6 +8738,7 @@
               <a:rPr lang="en-US" dirty="0"/>
               <a:t>Organizations should operate the SOC as a program rather than a single project. Doing so depends on the criticality and the amount of resources required to design, build, and operate the various services offered by the SOC. Having a clear SOC service strategy with clear goals and priorities will shape the size of the SOC program, timeline, and the amount of resources required to deliver the program objectives.</a:t>
             </a:r>
+            <a:endParaRPr lang="en-US" dirty="0"/>
           </a:p>
           <a:p>
             <a:pPr lvl="1"/>
@@ -8844,18 +8750,20 @@
               <a:rPr lang="en-US" dirty="0"/>
               <a:t>A governance structure.</a:t>
             </a:r>
+            <a:endParaRPr lang="en-US" dirty="0"/>
           </a:p>
           <a:p>
             <a:pPr marL="717550" lvl="2" indent="0">
               <a:buNone/>
               <a:tabLst>
-                <a:tab pos="801688" algn="l"/>
+                <a:tab pos="801370" algn="l"/>
               </a:tabLst>
             </a:pPr>
             <a:r>
               <a:rPr lang="en-US" dirty="0"/>
               <a:t>Metrics must be established to measure the effectiveness of the SOC capabilities. These metrics should provide sufficient and relevant visibility to the organization’s management team on the performance of the SOC and should identify areas where improvements and investments are needed.</a:t>
             </a:r>
+            <a:endParaRPr lang="en-US" dirty="0"/>
           </a:p>
           <a:p>
             <a:pPr lvl="1"/>
@@ -8864,11 +8772,6 @@
         </p:txBody>
       </p:sp>
     </p:spTree>
-    <p:extLst>
-      <p:ext uri="{BB962C8B-B14F-4D97-AF65-F5344CB8AC3E}">
-        <p14:creationId xmlns:p14="http://schemas.microsoft.com/office/powerpoint/2010/main" val="2893369505"/>
-      </p:ext>
-    </p:extLst>
   </p:cSld>
   <p:clrMapOvr>
     <a:masterClrMapping/>
@@ -8895,13 +8798,7 @@
       </p:grpSpPr>
       <p:sp>
         <p:nvSpPr>
-          <p:cNvPr id="2" name="Title 1">
-            <a:extLst>
-              <a:ext uri="{FF2B5EF4-FFF2-40B4-BE49-F238E27FC236}">
-                <a16:creationId xmlns:a16="http://schemas.microsoft.com/office/drawing/2014/main" id="{162F5653-3701-4465-990B-D5C7AB053FED}"/>
-              </a:ext>
-            </a:extLst>
-          </p:cNvPr>
+          <p:cNvPr id="2" name="Title 1"/>
           <p:cNvSpPr>
             <a:spLocks noGrp="1"/>
           </p:cNvSpPr>
@@ -8923,18 +8820,13 @@
               <a:rPr lang="en-GB" dirty="0"/>
               <a:t>Security Operation Centres</a:t>
             </a:r>
-          </a:p>
-        </p:txBody>
-      </p:sp>
-      <p:sp>
-        <p:nvSpPr>
-          <p:cNvPr id="3" name="Content Placeholder 2">
-            <a:extLst>
-              <a:ext uri="{FF2B5EF4-FFF2-40B4-BE49-F238E27FC236}">
-                <a16:creationId xmlns:a16="http://schemas.microsoft.com/office/drawing/2014/main" id="{0ED5B035-1C37-4FC6-A4CB-CCB4193860D2}"/>
-              </a:ext>
-            </a:extLst>
-          </p:cNvPr>
+            <a:endParaRPr lang="en-GB" dirty="0"/>
+          </a:p>
+        </p:txBody>
+      </p:sp>
+      <p:sp>
+        <p:nvSpPr>
+          <p:cNvPr id="3" name="Content Placeholder 2"/>
           <p:cNvSpPr>
             <a:spLocks noGrp="1"/>
           </p:cNvSpPr>
@@ -8958,6 +8850,7 @@
               <a:rPr lang="en-US" dirty="0"/>
               <a:t>To build and operate an effective SOC, you must have the following:</a:t>
             </a:r>
+            <a:endParaRPr lang="en-US" dirty="0"/>
           </a:p>
           <a:p>
             <a:pPr lvl="1"/>
@@ -8965,6 +8858,7 @@
               <a:rPr lang="en-GB" dirty="0"/>
               <a:t>Effective team collaboration.</a:t>
             </a:r>
+            <a:endParaRPr lang="en-GB" dirty="0"/>
           </a:p>
           <a:p>
             <a:pPr lvl="1"/>
@@ -8976,6 +8870,7 @@
               <a:rPr lang="en-US" dirty="0"/>
               <a:t>Access to data and systems.</a:t>
             </a:r>
+            <a:endParaRPr lang="en-US" dirty="0"/>
           </a:p>
           <a:p>
             <a:pPr lvl="1"/>
@@ -8987,6 +8882,7 @@
               <a:rPr lang="en-US" dirty="0"/>
               <a:t>Applicable processes and procedures.</a:t>
             </a:r>
+            <a:endParaRPr lang="en-US" dirty="0"/>
           </a:p>
           <a:p>
             <a:pPr lvl="1"/>
@@ -8998,6 +8894,7 @@
               <a:rPr lang="en-US" dirty="0"/>
               <a:t>Team skill sets and experience.</a:t>
             </a:r>
+            <a:endParaRPr lang="en-US" dirty="0"/>
           </a:p>
           <a:p>
             <a:pPr lvl="1"/>
@@ -9014,11 +8911,6 @@
         </p:txBody>
       </p:sp>
     </p:spTree>
-    <p:extLst>
-      <p:ext uri="{BB962C8B-B14F-4D97-AF65-F5344CB8AC3E}">
-        <p14:creationId xmlns:p14="http://schemas.microsoft.com/office/powerpoint/2010/main" val="563922133"/>
-      </p:ext>
-    </p:extLst>
   </p:cSld>
   <p:clrMapOvr>
     <a:masterClrMapping/>
@@ -9045,13 +8937,7 @@
       </p:grpSpPr>
       <p:sp>
         <p:nvSpPr>
-          <p:cNvPr id="2" name="Title 1">
-            <a:extLst>
-              <a:ext uri="{FF2B5EF4-FFF2-40B4-BE49-F238E27FC236}">
-                <a16:creationId xmlns:a16="http://schemas.microsoft.com/office/drawing/2014/main" id="{DC0BE517-9937-49F5-89CC-CD7F0BF9BE82}"/>
-              </a:ext>
-            </a:extLst>
-          </p:cNvPr>
+          <p:cNvPr id="2" name="Title 1"/>
           <p:cNvSpPr>
             <a:spLocks noGrp="1"/>
           </p:cNvSpPr>
@@ -9073,18 +8959,13 @@
               <a:rPr lang="en-GB" dirty="0"/>
               <a:t>Runbook Automation</a:t>
             </a:r>
-          </a:p>
-        </p:txBody>
-      </p:sp>
-      <p:sp>
-        <p:nvSpPr>
-          <p:cNvPr id="3" name="Content Placeholder 2">
-            <a:extLst>
-              <a:ext uri="{FF2B5EF4-FFF2-40B4-BE49-F238E27FC236}">
-                <a16:creationId xmlns:a16="http://schemas.microsoft.com/office/drawing/2014/main" id="{F8060F45-F576-4B58-9274-795C4F1813F5}"/>
-              </a:ext>
-            </a:extLst>
-          </p:cNvPr>
+            <a:endParaRPr lang="en-GB" dirty="0"/>
+          </a:p>
+        </p:txBody>
+      </p:sp>
+      <p:sp>
+        <p:nvSpPr>
+          <p:cNvPr id="3" name="Content Placeholder 2"/>
           <p:cNvSpPr>
             <a:spLocks noGrp="1"/>
           </p:cNvSpPr>
@@ -9108,6 +8989,7 @@
               <a:rPr lang="en-US" dirty="0"/>
               <a:t>Organizations need to have capabilities to define, build, orchestrate, manage, and monitor the different operational processes and workflows.</a:t>
             </a:r>
+            <a:endParaRPr lang="en-US" dirty="0"/>
           </a:p>
           <a:p>
             <a:endParaRPr lang="en-US" dirty="0"/>
@@ -9117,6 +8999,7 @@
               <a:rPr lang="en-US" dirty="0"/>
               <a:t> This is achieved through the implementation of runbooks and runbook automation (RBA). </a:t>
             </a:r>
+            <a:endParaRPr lang="en-US" dirty="0"/>
           </a:p>
           <a:p>
             <a:endParaRPr lang="en-US" dirty="0"/>
@@ -9126,6 +9009,7 @@
               <a:rPr lang="en-US" dirty="0"/>
               <a:t>A runbook is a collection of procedures and operations performed by system administrators, security professionals, or network operators.</a:t>
             </a:r>
+            <a:endParaRPr lang="en-US" dirty="0"/>
           </a:p>
           <a:p>
             <a:endParaRPr lang="en-US" dirty="0"/>
@@ -9135,15 +9019,11 @@
               <a:rPr lang="en-US" dirty="0"/>
               <a:t>According to Gartner, “the growth of RBA has coincided with the need for IT operations executives to enhance IT operations efficiency measures.” </a:t>
             </a:r>
+            <a:endParaRPr lang="en-US" dirty="0"/>
           </a:p>
         </p:txBody>
       </p:sp>
     </p:spTree>
-    <p:extLst>
-      <p:ext uri="{BB962C8B-B14F-4D97-AF65-F5344CB8AC3E}">
-        <p14:creationId xmlns:p14="http://schemas.microsoft.com/office/powerpoint/2010/main" val="2994023755"/>
-      </p:ext>
-    </p:extLst>
   </p:cSld>
   <p:clrMapOvr>
     <a:masterClrMapping/>
@@ -9170,13 +9050,7 @@
       </p:grpSpPr>
       <p:sp>
         <p:nvSpPr>
-          <p:cNvPr id="2" name="Title 1">
-            <a:extLst>
-              <a:ext uri="{FF2B5EF4-FFF2-40B4-BE49-F238E27FC236}">
-                <a16:creationId xmlns:a16="http://schemas.microsoft.com/office/drawing/2014/main" id="{C6531B68-F2FD-4CA5-A50F-5A83B7864B1A}"/>
-              </a:ext>
-            </a:extLst>
-          </p:cNvPr>
+          <p:cNvPr id="2" name="Title 1"/>
           <p:cNvSpPr>
             <a:spLocks noGrp="1"/>
           </p:cNvSpPr>
@@ -9193,18 +9067,13 @@
               <a:rPr lang="en-GB" dirty="0"/>
               <a:t>Runbook Automation</a:t>
             </a:r>
-          </a:p>
-        </p:txBody>
-      </p:sp>
-      <p:sp>
-        <p:nvSpPr>
-          <p:cNvPr id="3" name="Content Placeholder 2">
-            <a:extLst>
-              <a:ext uri="{FF2B5EF4-FFF2-40B4-BE49-F238E27FC236}">
-                <a16:creationId xmlns:a16="http://schemas.microsoft.com/office/drawing/2014/main" id="{C4414C22-ECA3-4AAA-AA37-84057E62C8CF}"/>
-              </a:ext>
-            </a:extLst>
-          </p:cNvPr>
+            <a:endParaRPr lang="en-GB" dirty="0"/>
+          </a:p>
+        </p:txBody>
+      </p:sp>
+      <p:sp>
+        <p:nvSpPr>
+          <p:cNvPr id="3" name="Content Placeholder 2"/>
           <p:cNvSpPr>
             <a:spLocks noGrp="1"/>
           </p:cNvSpPr>
@@ -9223,6 +9092,7 @@
               <a:rPr lang="en-GB" dirty="0"/>
               <a:t>Some of the metrics used by RBA to measure effectiveness are:</a:t>
             </a:r>
+            <a:endParaRPr lang="en-GB" dirty="0"/>
           </a:p>
           <a:p>
             <a:pPr lvl="1"/>
@@ -9230,6 +9100,7 @@
               <a:rPr lang="en-US" dirty="0"/>
               <a:t>Mean time to repair (MTTR)</a:t>
             </a:r>
+            <a:endParaRPr lang="en-US" dirty="0"/>
           </a:p>
           <a:p>
             <a:pPr lvl="1"/>
@@ -9237,6 +9108,7 @@
               <a:rPr lang="en-US" dirty="0"/>
               <a:t>Mean time between failures (MTBF)</a:t>
             </a:r>
+            <a:endParaRPr lang="en-US" dirty="0"/>
           </a:p>
           <a:p>
             <a:pPr lvl="1"/>
@@ -9244,6 +9116,7 @@
               <a:rPr lang="en-US" dirty="0"/>
               <a:t>Mean time to discover a security incident</a:t>
             </a:r>
+            <a:endParaRPr lang="en-US" dirty="0"/>
           </a:p>
           <a:p>
             <a:pPr lvl="1"/>
@@ -9251,6 +9124,7 @@
               <a:rPr lang="en-US" dirty="0"/>
               <a:t>Mean time to contain or mitigate a security incident</a:t>
             </a:r>
+            <a:endParaRPr lang="en-US" dirty="0"/>
           </a:p>
           <a:p>
             <a:pPr lvl="1"/>
@@ -9258,6 +9132,7 @@
               <a:rPr lang="en-US" dirty="0"/>
               <a:t>Automating the provisioning of IT resources</a:t>
             </a:r>
+            <a:endParaRPr lang="en-US" dirty="0"/>
           </a:p>
           <a:p>
             <a:endParaRPr lang="en-US" dirty="0"/>
@@ -9267,6 +9142,7 @@
               <a:rPr lang="en-US" dirty="0"/>
               <a:t>Many different commercial and open source RBA solutions are available in the industry. </a:t>
             </a:r>
+            <a:endParaRPr lang="en-US" dirty="0"/>
           </a:p>
           <a:p>
             <a:endParaRPr lang="en-US" dirty="0"/>
@@ -9284,6 +9160,7 @@
               <a:rPr lang="en-US" dirty="0"/>
               <a:t> (http://rundeck.org/). </a:t>
             </a:r>
+            <a:endParaRPr lang="en-US" dirty="0"/>
           </a:p>
           <a:p>
             <a:endParaRPr lang="en-US" dirty="0"/>
@@ -9302,11 +9179,6 @@
         </p:txBody>
       </p:sp>
     </p:spTree>
-    <p:extLst>
-      <p:ext uri="{BB962C8B-B14F-4D97-AF65-F5344CB8AC3E}">
-        <p14:creationId xmlns:p14="http://schemas.microsoft.com/office/powerpoint/2010/main" val="3570191945"/>
-      </p:ext>
-    </p:extLst>
   </p:cSld>
   <p:clrMapOvr>
     <a:masterClrMapping/>
@@ -9333,13 +9205,7 @@
       </p:grpSpPr>
       <p:sp>
         <p:nvSpPr>
-          <p:cNvPr id="2" name="Title 1">
-            <a:extLst>
-              <a:ext uri="{FF2B5EF4-FFF2-40B4-BE49-F238E27FC236}">
-                <a16:creationId xmlns:a16="http://schemas.microsoft.com/office/drawing/2014/main" id="{5B2FB48D-9661-4F91-92AC-64D7E38DAEEE}"/>
-              </a:ext>
-            </a:extLst>
-          </p:cNvPr>
+          <p:cNvPr id="2" name="Title 1"/>
           <p:cNvSpPr>
             <a:spLocks noGrp="1"/>
           </p:cNvSpPr>
@@ -9356,18 +9222,13 @@
               <a:rPr lang="en-GB" dirty="0"/>
               <a:t>Access Control</a:t>
             </a:r>
-          </a:p>
-        </p:txBody>
-      </p:sp>
-      <p:sp>
-        <p:nvSpPr>
-          <p:cNvPr id="3" name="Content Placeholder 2">
-            <a:extLst>
-              <a:ext uri="{FF2B5EF4-FFF2-40B4-BE49-F238E27FC236}">
-                <a16:creationId xmlns:a16="http://schemas.microsoft.com/office/drawing/2014/main" id="{9FDA5226-FC13-4BB4-B29E-61538246C2BD}"/>
-              </a:ext>
-            </a:extLst>
-          </p:cNvPr>
+            <a:endParaRPr lang="en-GB" dirty="0"/>
+          </a:p>
+        </p:txBody>
+      </p:sp>
+      <p:sp>
+        <p:nvSpPr>
+          <p:cNvPr id="3" name="Content Placeholder 2"/>
           <p:cNvSpPr>
             <a:spLocks noGrp="1"/>
           </p:cNvSpPr>
@@ -9384,6 +9245,7 @@
               <a:rPr lang="en-US" dirty="0"/>
               <a:t>Access controls is a broad term used to define the administrative, physical, and technical controls that regulate the interaction between a subject and an object. </a:t>
             </a:r>
+            <a:endParaRPr lang="en-US" dirty="0"/>
           </a:p>
           <a:p>
             <a:endParaRPr lang="en-US" dirty="0"/>
@@ -9393,6 +9255,7 @@
               <a:rPr lang="en-US" dirty="0"/>
               <a:t>More simply, access controls help with defining and enforcing policy for who is authorized to access what and in which way.</a:t>
             </a:r>
+            <a:endParaRPr lang="en-US" dirty="0"/>
           </a:p>
           <a:p>
             <a:endParaRPr lang="en-US" dirty="0"/>
@@ -9403,11 +9266,6 @@
         </p:txBody>
       </p:sp>
     </p:spTree>
-    <p:extLst>
-      <p:ext uri="{BB962C8B-B14F-4D97-AF65-F5344CB8AC3E}">
-        <p14:creationId xmlns:p14="http://schemas.microsoft.com/office/powerpoint/2010/main" val="2547166659"/>
-      </p:ext>
-    </p:extLst>
   </p:cSld>
   <p:clrMapOvr>
     <a:masterClrMapping/>
@@ -9434,13 +9292,7 @@
       </p:grpSpPr>
       <p:sp>
         <p:nvSpPr>
-          <p:cNvPr id="2" name="Title 1">
-            <a:extLst>
-              <a:ext uri="{FF2B5EF4-FFF2-40B4-BE49-F238E27FC236}">
-                <a16:creationId xmlns:a16="http://schemas.microsoft.com/office/drawing/2014/main" id="{0F979C6D-E385-4B01-AB2A-0538C00D46B5}"/>
-              </a:ext>
-            </a:extLst>
-          </p:cNvPr>
+          <p:cNvPr id="2" name="Title 1"/>
           <p:cNvSpPr>
             <a:spLocks noGrp="1"/>
           </p:cNvSpPr>
@@ -9462,18 +9314,13 @@
               <a:rPr lang="en-GB" dirty="0"/>
               <a:t>Subject and Object</a:t>
             </a:r>
-          </a:p>
-        </p:txBody>
-      </p:sp>
-      <p:sp>
-        <p:nvSpPr>
-          <p:cNvPr id="3" name="Content Placeholder 2">
-            <a:extLst>
-              <a:ext uri="{FF2B5EF4-FFF2-40B4-BE49-F238E27FC236}">
-                <a16:creationId xmlns:a16="http://schemas.microsoft.com/office/drawing/2014/main" id="{4173A5AB-DA30-4A39-9AFF-AA7B8759EF8A}"/>
-              </a:ext>
-            </a:extLst>
-          </p:cNvPr>
+            <a:endParaRPr lang="en-GB" dirty="0"/>
+          </a:p>
+        </p:txBody>
+      </p:sp>
+      <p:sp>
+        <p:nvSpPr>
+          <p:cNvPr id="3" name="Content Placeholder 2"/>
           <p:cNvSpPr>
             <a:spLocks noGrp="1"/>
           </p:cNvSpPr>
@@ -9499,6 +9346,7 @@
               <a:rPr lang="en-US" dirty="0"/>
               <a:t>defines the administrative, physical, and technical controls that regulate the interaction between a subject and an object.</a:t>
             </a:r>
+            <a:endParaRPr lang="en-US" dirty="0"/>
           </a:p>
           <a:p>
             <a:endParaRPr lang="en-US" dirty="0"/>
@@ -9508,6 +9356,7 @@
               <a:rPr lang="en-US" dirty="0"/>
               <a:t>Subject is any active entity that requests access to a resource (also called an object).</a:t>
             </a:r>
+            <a:endParaRPr lang="en-US" dirty="0"/>
           </a:p>
           <a:p>
             <a:endParaRPr lang="en-US" dirty="0"/>
@@ -9517,6 +9366,7 @@
               <a:rPr lang="en-US" dirty="0"/>
               <a:t>An object is defined as the passive entity that is, or contains, the information needed by the subject. </a:t>
             </a:r>
+            <a:endParaRPr lang="en-US" dirty="0"/>
           </a:p>
           <a:p>
             <a:endParaRPr lang="en-US" dirty="0"/>
@@ -9527,11 +9377,6 @@
         </p:txBody>
       </p:sp>
     </p:spTree>
-    <p:extLst>
-      <p:ext uri="{BB962C8B-B14F-4D97-AF65-F5344CB8AC3E}">
-        <p14:creationId xmlns:p14="http://schemas.microsoft.com/office/powerpoint/2010/main" val="142972673"/>
-      </p:ext>
-    </p:extLst>
   </p:cSld>
   <p:clrMapOvr>
     <a:masterClrMapping/>
@@ -9558,13 +9403,7 @@
       </p:grpSpPr>
       <p:sp>
         <p:nvSpPr>
-          <p:cNvPr id="2" name="Title 1">
-            <a:extLst>
-              <a:ext uri="{FF2B5EF4-FFF2-40B4-BE49-F238E27FC236}">
-                <a16:creationId xmlns:a16="http://schemas.microsoft.com/office/drawing/2014/main" id="{96CC4767-381D-4564-A147-E441BCC3197D}"/>
-              </a:ext>
-            </a:extLst>
-          </p:cNvPr>
+          <p:cNvPr id="2" name="Title 1"/>
           <p:cNvSpPr>
             <a:spLocks noGrp="1"/>
           </p:cNvSpPr>
@@ -9586,18 +9425,13 @@
               <a:rPr lang="en-GB" dirty="0"/>
               <a:t>Role of Subjects and Objects</a:t>
             </a:r>
-          </a:p>
-        </p:txBody>
-      </p:sp>
-      <p:sp>
-        <p:nvSpPr>
-          <p:cNvPr id="3" name="Content Placeholder 2">
-            <a:extLst>
-              <a:ext uri="{FF2B5EF4-FFF2-40B4-BE49-F238E27FC236}">
-                <a16:creationId xmlns:a16="http://schemas.microsoft.com/office/drawing/2014/main" id="{721CA43E-B859-45E0-9BBA-DF87F9386367}"/>
-              </a:ext>
-            </a:extLst>
-          </p:cNvPr>
+            <a:endParaRPr lang="en-GB" dirty="0"/>
+          </a:p>
+        </p:txBody>
+      </p:sp>
+      <p:sp>
+        <p:nvSpPr>
+          <p:cNvPr id="3" name="Content Placeholder 2"/>
           <p:cNvSpPr>
             <a:spLocks noGrp="1"/>
           </p:cNvSpPr>
@@ -9621,6 +9455,7 @@
               <a:rPr lang="en-US" dirty="0"/>
               <a:t>The role of the subject or object is purely determined on the entity that requests the access.</a:t>
             </a:r>
+            <a:endParaRPr lang="en-US" dirty="0"/>
           </a:p>
           <a:p>
             <a:endParaRPr lang="en-US" dirty="0"/>
@@ -9630,6 +9465,7 @@
               <a:rPr lang="en-US" dirty="0"/>
               <a:t>The same entity could be considered a subject or an object, depending on the situation.</a:t>
             </a:r>
+            <a:endParaRPr lang="en-US" dirty="0"/>
           </a:p>
           <a:p>
             <a:endParaRPr lang="en-US" dirty="0"/>
@@ -9639,6 +9475,7 @@
               <a:rPr lang="en-US" dirty="0"/>
               <a:t>For example, a web application could be considered an object when a user runs the browser program (the subject requesting information). </a:t>
             </a:r>
+            <a:endParaRPr lang="en-US" dirty="0"/>
           </a:p>
           <a:p>
             <a:endParaRPr lang="en-US" dirty="0"/>
@@ -9653,11 +9490,6 @@
         </p:txBody>
       </p:sp>
     </p:spTree>
-    <p:extLst>
-      <p:ext uri="{BB962C8B-B14F-4D97-AF65-F5344CB8AC3E}">
-        <p14:creationId xmlns:p14="http://schemas.microsoft.com/office/powerpoint/2010/main" val="4031052135"/>
-      </p:ext>
-    </p:extLst>
   </p:cSld>
   <p:clrMapOvr>
     <a:masterClrMapping/>
@@ -9684,13 +9516,7 @@
       </p:grpSpPr>
       <p:sp>
         <p:nvSpPr>
-          <p:cNvPr id="2" name="Title 1">
-            <a:extLst>
-              <a:ext uri="{FF2B5EF4-FFF2-40B4-BE49-F238E27FC236}">
-                <a16:creationId xmlns:a16="http://schemas.microsoft.com/office/drawing/2014/main" id="{7D1B5941-496E-4DA3-B4BC-DCB3E65394F4}"/>
-              </a:ext>
-            </a:extLst>
-          </p:cNvPr>
+          <p:cNvPr id="2" name="Title 1"/>
           <p:cNvSpPr>
             <a:spLocks noGrp="1"/>
           </p:cNvSpPr>
@@ -9714,18 +9540,13 @@
               <a:rPr lang="en-GB" dirty="0"/>
               <a:t>Access Control in the context of the CIA Triad</a:t>
             </a:r>
-          </a:p>
-        </p:txBody>
-      </p:sp>
-      <p:sp>
-        <p:nvSpPr>
-          <p:cNvPr id="3" name="Content Placeholder 2">
-            <a:extLst>
-              <a:ext uri="{FF2B5EF4-FFF2-40B4-BE49-F238E27FC236}">
-                <a16:creationId xmlns:a16="http://schemas.microsoft.com/office/drawing/2014/main" id="{F28E34E0-4840-4E82-89BC-D42B6ECE718A}"/>
-              </a:ext>
-            </a:extLst>
-          </p:cNvPr>
+            <a:endParaRPr lang="en-GB" dirty="0"/>
+          </a:p>
+        </p:txBody>
+      </p:sp>
+      <p:sp>
+        <p:nvSpPr>
+          <p:cNvPr id="3" name="Content Placeholder 2"/>
           <p:cNvSpPr>
             <a:spLocks noGrp="1"/>
           </p:cNvSpPr>
@@ -9747,6 +9568,7 @@
               <a:rPr lang="en-US" b="1" dirty="0"/>
               <a:t>Confidentiality</a:t>
             </a:r>
+            <a:endParaRPr lang="en-US" b="1" dirty="0"/>
           </a:p>
           <a:p>
             <a:pPr lvl="1"/>
@@ -9754,6 +9576,7 @@
               <a:rPr lang="en-US" dirty="0"/>
               <a:t>Access controls are used to ensure that only authorized users can access resources. </a:t>
             </a:r>
+            <a:endParaRPr lang="en-US" dirty="0"/>
           </a:p>
           <a:p>
             <a:pPr lvl="1"/>
@@ -9761,6 +9584,7 @@
               <a:rPr lang="en-US" dirty="0"/>
               <a:t>An example of such control would be a process that ensures that only authorized people in an engineering department are able to read the source code of a product under development. </a:t>
             </a:r>
+            <a:endParaRPr lang="en-US" dirty="0"/>
           </a:p>
           <a:p>
             <a:pPr lvl="1"/>
@@ -9768,6 +9592,7 @@
               <a:rPr lang="en-US" dirty="0"/>
               <a:t>Attacks to access controls that protect the confidentiality of a resource would typically aim to steal sensitive or confidential information.</a:t>
             </a:r>
+            <a:endParaRPr lang="en-US" dirty="0"/>
           </a:p>
           <a:p>
             <a:endParaRPr lang="en-US" dirty="0"/>
@@ -9779,20 +9604,14 @@
       </p:sp>
       <p:pic>
         <p:nvPicPr>
-          <p:cNvPr id="5" name="Picture 4">
-            <a:extLst>
-              <a:ext uri="{FF2B5EF4-FFF2-40B4-BE49-F238E27FC236}">
-                <a16:creationId xmlns:a16="http://schemas.microsoft.com/office/drawing/2014/main" id="{4B6CE7A1-772E-4033-8A1E-C9741D77FA03}"/>
-              </a:ext>
-            </a:extLst>
-          </p:cNvPr>
+          <p:cNvPr id="5" name="Picture 4"/>
           <p:cNvPicPr>
             <a:picLocks noChangeAspect="1"/>
           </p:cNvPicPr>
           <p:nvPr/>
         </p:nvPicPr>
         <p:blipFill>
-          <a:blip r:embed="rId2"/>
+          <a:blip r:embed="rId1"/>
           <a:stretch>
             <a:fillRect/>
           </a:stretch>
@@ -9808,11 +9627,6 @@
         </p:spPr>
       </p:pic>
     </p:spTree>
-    <p:extLst>
-      <p:ext uri="{BB962C8B-B14F-4D97-AF65-F5344CB8AC3E}">
-        <p14:creationId xmlns:p14="http://schemas.microsoft.com/office/powerpoint/2010/main" val="4266634429"/>
-      </p:ext>
-    </p:extLst>
   </p:cSld>
   <p:clrMapOvr>
     <a:masterClrMapping/>
@@ -9839,13 +9653,7 @@
       </p:grpSpPr>
       <p:sp>
         <p:nvSpPr>
-          <p:cNvPr id="2" name="Title 1">
-            <a:extLst>
-              <a:ext uri="{FF2B5EF4-FFF2-40B4-BE49-F238E27FC236}">
-                <a16:creationId xmlns:a16="http://schemas.microsoft.com/office/drawing/2014/main" id="{36B61285-B24E-4050-B5C8-B5816D2FB502}"/>
-              </a:ext>
-            </a:extLst>
-          </p:cNvPr>
+          <p:cNvPr id="2" name="Title 1"/>
           <p:cNvSpPr>
             <a:spLocks noGrp="1"/>
           </p:cNvSpPr>
@@ -9884,18 +9692,13 @@
               <a:rPr lang="en-GB" dirty="0"/>
               <a:t>Risk Analysis</a:t>
             </a:r>
-          </a:p>
-        </p:txBody>
-      </p:sp>
-      <p:sp>
-        <p:nvSpPr>
-          <p:cNvPr id="3" name="Subtitle 2">
-            <a:extLst>
-              <a:ext uri="{FF2B5EF4-FFF2-40B4-BE49-F238E27FC236}">
-                <a16:creationId xmlns:a16="http://schemas.microsoft.com/office/drawing/2014/main" id="{243558D5-B251-4E80-9DE2-F11603EEEB05}"/>
-              </a:ext>
-            </a:extLst>
-          </p:cNvPr>
+            <a:endParaRPr lang="en-GB" dirty="0"/>
+          </a:p>
+        </p:txBody>
+      </p:sp>
+      <p:sp>
+        <p:nvSpPr>
+          <p:cNvPr id="3" name="Subtitle 2"/>
           <p:cNvSpPr>
             <a:spLocks noGrp="1"/>
           </p:cNvSpPr>
@@ -9914,27 +9717,25 @@
               <a:rPr lang="en-GB" dirty="0"/>
               <a:t>Egena Onu, PhD.</a:t>
             </a:r>
+            <a:endParaRPr lang="en-GB" dirty="0"/>
           </a:p>
           <a:p>
             <a:r>
               <a:rPr lang="en-GB" dirty="0"/>
               <a:t>Computer Science Department,</a:t>
             </a:r>
+            <a:endParaRPr lang="en-GB" dirty="0"/>
           </a:p>
           <a:p>
             <a:r>
               <a:rPr lang="en-GB" dirty="0"/>
               <a:t>Bingham University.</a:t>
             </a:r>
+            <a:endParaRPr lang="en-GB" dirty="0"/>
           </a:p>
         </p:txBody>
       </p:sp>
     </p:spTree>
-    <p:extLst>
-      <p:ext uri="{BB962C8B-B14F-4D97-AF65-F5344CB8AC3E}">
-        <p14:creationId xmlns:p14="http://schemas.microsoft.com/office/powerpoint/2010/main" val="796197909"/>
-      </p:ext>
-    </p:extLst>
   </p:cSld>
   <p:clrMapOvr>
     <a:masterClrMapping/>
@@ -9961,13 +9762,7 @@
       </p:grpSpPr>
       <p:sp>
         <p:nvSpPr>
-          <p:cNvPr id="2" name="Title 1">
-            <a:extLst>
-              <a:ext uri="{FF2B5EF4-FFF2-40B4-BE49-F238E27FC236}">
-                <a16:creationId xmlns:a16="http://schemas.microsoft.com/office/drawing/2014/main" id="{7D1B5941-496E-4DA3-B4BC-DCB3E65394F4}"/>
-              </a:ext>
-            </a:extLst>
-          </p:cNvPr>
+          <p:cNvPr id="2" name="Title 1"/>
           <p:cNvSpPr>
             <a:spLocks noGrp="1"/>
           </p:cNvSpPr>
@@ -9991,18 +9786,13 @@
               <a:rPr lang="en-GB" dirty="0"/>
               <a:t>Access Control in the context of the CIA Triad</a:t>
             </a:r>
-          </a:p>
-        </p:txBody>
-      </p:sp>
-      <p:sp>
-        <p:nvSpPr>
-          <p:cNvPr id="3" name="Content Placeholder 2">
-            <a:extLst>
-              <a:ext uri="{FF2B5EF4-FFF2-40B4-BE49-F238E27FC236}">
-                <a16:creationId xmlns:a16="http://schemas.microsoft.com/office/drawing/2014/main" id="{F28E34E0-4840-4E82-89BC-D42B6ECE718A}"/>
-              </a:ext>
-            </a:extLst>
-          </p:cNvPr>
+            <a:endParaRPr lang="en-GB" dirty="0"/>
+          </a:p>
+        </p:txBody>
+      </p:sp>
+      <p:sp>
+        <p:nvSpPr>
+          <p:cNvPr id="3" name="Content Placeholder 2"/>
           <p:cNvSpPr>
             <a:spLocks noGrp="1"/>
           </p:cNvSpPr>
@@ -10026,6 +9816,7 @@
               <a:rPr lang="en-US" b="1" dirty="0"/>
               <a:t>Integrity</a:t>
             </a:r>
+            <a:endParaRPr lang="en-US" b="1" dirty="0"/>
           </a:p>
           <a:p>
             <a:pPr lvl="1"/>
@@ -10033,6 +9824,7 @@
               <a:rPr lang="en-US" dirty="0"/>
               <a:t>Access controls are used to ensure that only authorized users can modify the state of a resource.</a:t>
             </a:r>
+            <a:endParaRPr lang="en-US" dirty="0"/>
           </a:p>
           <a:p>
             <a:pPr lvl="1"/>
@@ -10040,6 +9832,7 @@
               <a:rPr lang="en-US" dirty="0"/>
               <a:t>An example of this control would be a process that would allow only authorized people in an engineering department to be able to change the source code of a product under development. </a:t>
             </a:r>
+            <a:endParaRPr lang="en-US" dirty="0"/>
           </a:p>
           <a:p>
             <a:pPr lvl="1"/>
@@ -10047,6 +9840,7 @@
               <a:rPr lang="en-US" dirty="0"/>
               <a:t>Attacks to access controls that protect the integrity of a resource would typically aim at changing information. </a:t>
             </a:r>
+            <a:endParaRPr lang="en-US" dirty="0"/>
           </a:p>
           <a:p>
             <a:pPr lvl="1"/>
@@ -10054,6 +9848,7 @@
               <a:rPr lang="en-US" dirty="0"/>
               <a:t>In some cases, when the changes are disruptive, the same attack would also have an impact on the availability of the resource. </a:t>
             </a:r>
+            <a:endParaRPr lang="en-US" dirty="0"/>
           </a:p>
           <a:p>
             <a:pPr lvl="1"/>
@@ -10061,15 +9856,11 @@
               <a:rPr lang="en-US" dirty="0"/>
               <a:t>For example, an attack that causes the delete of a user from a database would have an impact on the integrity but also a secondary impact on the availability, as that user would not be able to access the system.</a:t>
             </a:r>
+            <a:endParaRPr lang="en-US" dirty="0"/>
           </a:p>
         </p:txBody>
       </p:sp>
     </p:spTree>
-    <p:extLst>
-      <p:ext uri="{BB962C8B-B14F-4D97-AF65-F5344CB8AC3E}">
-        <p14:creationId xmlns:p14="http://schemas.microsoft.com/office/powerpoint/2010/main" val="3420894708"/>
-      </p:ext>
-    </p:extLst>
   </p:cSld>
   <p:clrMapOvr>
     <a:masterClrMapping/>
@@ -10096,13 +9887,7 @@
       </p:grpSpPr>
       <p:sp>
         <p:nvSpPr>
-          <p:cNvPr id="2" name="Title 1">
-            <a:extLst>
-              <a:ext uri="{FF2B5EF4-FFF2-40B4-BE49-F238E27FC236}">
-                <a16:creationId xmlns:a16="http://schemas.microsoft.com/office/drawing/2014/main" id="{7D1B5941-496E-4DA3-B4BC-DCB3E65394F4}"/>
-              </a:ext>
-            </a:extLst>
-          </p:cNvPr>
+          <p:cNvPr id="2" name="Title 1"/>
           <p:cNvSpPr>
             <a:spLocks noGrp="1"/>
           </p:cNvSpPr>
@@ -10126,18 +9911,13 @@
               <a:rPr lang="en-GB" dirty="0"/>
               <a:t>Access Control in the context of the CIA Triad</a:t>
             </a:r>
-          </a:p>
-        </p:txBody>
-      </p:sp>
-      <p:sp>
-        <p:nvSpPr>
-          <p:cNvPr id="3" name="Content Placeholder 2">
-            <a:extLst>
-              <a:ext uri="{FF2B5EF4-FFF2-40B4-BE49-F238E27FC236}">
-                <a16:creationId xmlns:a16="http://schemas.microsoft.com/office/drawing/2014/main" id="{F28E34E0-4840-4E82-89BC-D42B6ECE718A}"/>
-              </a:ext>
-            </a:extLst>
-          </p:cNvPr>
+            <a:endParaRPr lang="en-GB" dirty="0"/>
+          </a:p>
+        </p:txBody>
+      </p:sp>
+      <p:sp>
+        <p:nvSpPr>
+          <p:cNvPr id="3" name="Content Placeholder 2"/>
           <p:cNvSpPr>
             <a:spLocks noGrp="1"/>
           </p:cNvSpPr>
@@ -10161,6 +9941,7 @@
               <a:rPr lang="en-US" b="1" dirty="0"/>
               <a:t>Availability</a:t>
             </a:r>
+            <a:endParaRPr lang="en-US" b="1" dirty="0"/>
           </a:p>
           <a:p>
             <a:pPr lvl="1"/>
@@ -10168,6 +9949,7 @@
               <a:rPr lang="en-US" dirty="0"/>
               <a:t>Access controls would typically ensure that the resource is available to users that are authorized to access it, in a reasonable amount of time. </a:t>
             </a:r>
+            <a:endParaRPr lang="en-US" dirty="0"/>
           </a:p>
           <a:p>
             <a:pPr lvl="1"/>
@@ -10175,6 +9957,7 @@
               <a:rPr lang="en-US" dirty="0"/>
               <a:t>Attacks that would affect the availability would typically aim at disabling access to a resource.</a:t>
             </a:r>
+            <a:endParaRPr lang="en-US" dirty="0"/>
           </a:p>
           <a:p>
             <a:pPr lvl="1"/>
@@ -10187,11 +9970,6 @@
         </p:txBody>
       </p:sp>
     </p:spTree>
-    <p:extLst>
-      <p:ext uri="{BB962C8B-B14F-4D97-AF65-F5344CB8AC3E}">
-        <p14:creationId xmlns:p14="http://schemas.microsoft.com/office/powerpoint/2010/main" val="2889617010"/>
-      </p:ext>
-    </p:extLst>
   </p:cSld>
   <p:clrMapOvr>
     <a:masterClrMapping/>
@@ -10218,13 +9996,7 @@
       </p:grpSpPr>
       <p:sp>
         <p:nvSpPr>
-          <p:cNvPr id="2" name="Title 1">
-            <a:extLst>
-              <a:ext uri="{FF2B5EF4-FFF2-40B4-BE49-F238E27FC236}">
-                <a16:creationId xmlns:a16="http://schemas.microsoft.com/office/drawing/2014/main" id="{2B29504E-1C40-46DB-9AE4-BD4CB48CB076}"/>
-              </a:ext>
-            </a:extLst>
-          </p:cNvPr>
+          <p:cNvPr id="2" name="Title 1"/>
           <p:cNvSpPr>
             <a:spLocks noGrp="1"/>
           </p:cNvSpPr>
@@ -10246,18 +10018,13 @@
               <a:rPr lang="en-GB" dirty="0"/>
               <a:t>Building Blocks of Access Control</a:t>
             </a:r>
-          </a:p>
-        </p:txBody>
-      </p:sp>
-      <p:sp>
-        <p:nvSpPr>
-          <p:cNvPr id="3" name="Content Placeholder 2">
-            <a:extLst>
-              <a:ext uri="{FF2B5EF4-FFF2-40B4-BE49-F238E27FC236}">
-                <a16:creationId xmlns:a16="http://schemas.microsoft.com/office/drawing/2014/main" id="{26D1B57A-5FED-4C28-9F24-30527DF3C057}"/>
-              </a:ext>
-            </a:extLst>
-          </p:cNvPr>
+            <a:endParaRPr lang="en-GB" dirty="0"/>
+          </a:p>
+        </p:txBody>
+      </p:sp>
+      <p:sp>
+        <p:nvSpPr>
+          <p:cNvPr id="3" name="Content Placeholder 2"/>
           <p:cNvSpPr>
             <a:spLocks noGrp="1"/>
           </p:cNvSpPr>
@@ -10279,6 +10046,7 @@
               <a:rPr lang="en-US" dirty="0"/>
               <a:t>There are four fundamental building blocks or processes characterize access controls:</a:t>
             </a:r>
+            <a:endParaRPr lang="en-US" dirty="0"/>
           </a:p>
           <a:p>
             <a:pPr lvl="1"/>
@@ -10286,6 +10054,7 @@
               <a:rPr lang="en-US" dirty="0"/>
               <a:t>Identification</a:t>
             </a:r>
+            <a:endParaRPr lang="en-US" dirty="0"/>
           </a:p>
           <a:p>
             <a:pPr lvl="1"/>
@@ -10293,6 +10062,7 @@
               <a:rPr lang="en-US" dirty="0"/>
               <a:t>Authentication</a:t>
             </a:r>
+            <a:endParaRPr lang="en-US" dirty="0"/>
           </a:p>
           <a:p>
             <a:pPr lvl="1"/>
@@ -10300,6 +10070,7 @@
               <a:rPr lang="en-US" dirty="0"/>
               <a:t>Authorization, and </a:t>
             </a:r>
+            <a:endParaRPr lang="en-US" dirty="0"/>
           </a:p>
           <a:p>
             <a:pPr lvl="1"/>
@@ -10307,6 +10078,7 @@
               <a:rPr lang="en-US" dirty="0"/>
               <a:t>Accounting.</a:t>
             </a:r>
+            <a:endParaRPr lang="en-US" dirty="0"/>
           </a:p>
           <a:p>
             <a:endParaRPr lang="en-US" dirty="0"/>
@@ -10321,11 +10093,6 @@
         </p:txBody>
       </p:sp>
     </p:spTree>
-    <p:extLst>
-      <p:ext uri="{BB962C8B-B14F-4D97-AF65-F5344CB8AC3E}">
-        <p14:creationId xmlns:p14="http://schemas.microsoft.com/office/powerpoint/2010/main" val="319872902"/>
-      </p:ext>
-    </p:extLst>
   </p:cSld>
   <p:clrMapOvr>
     <a:masterClrMapping/>
@@ -10352,13 +10119,7 @@
       </p:grpSpPr>
       <p:sp>
         <p:nvSpPr>
-          <p:cNvPr id="2" name="Title 1">
-            <a:extLst>
-              <a:ext uri="{FF2B5EF4-FFF2-40B4-BE49-F238E27FC236}">
-                <a16:creationId xmlns:a16="http://schemas.microsoft.com/office/drawing/2014/main" id="{B955A2AF-CA3A-4F26-9E07-382103393EE1}"/>
-              </a:ext>
-            </a:extLst>
-          </p:cNvPr>
+          <p:cNvPr id="2" name="Title 1"/>
           <p:cNvSpPr>
             <a:spLocks noGrp="1"/>
           </p:cNvSpPr>
@@ -10382,18 +10143,13 @@
               <a:rPr lang="en-GB" dirty="0"/>
               <a:t>Building Blocks of Access Control: Identification</a:t>
             </a:r>
-          </a:p>
-        </p:txBody>
-      </p:sp>
-      <p:sp>
-        <p:nvSpPr>
-          <p:cNvPr id="3" name="Content Placeholder 2">
-            <a:extLst>
-              <a:ext uri="{FF2B5EF4-FFF2-40B4-BE49-F238E27FC236}">
-                <a16:creationId xmlns:a16="http://schemas.microsoft.com/office/drawing/2014/main" id="{39AE1DF7-ED3C-44A0-AAD7-556A43B06CD4}"/>
-              </a:ext>
-            </a:extLst>
-          </p:cNvPr>
+            <a:endParaRPr lang="en-GB" dirty="0"/>
+          </a:p>
+        </p:txBody>
+      </p:sp>
+      <p:sp>
+        <p:nvSpPr>
+          <p:cNvPr id="3" name="Content Placeholder 2"/>
           <p:cNvSpPr>
             <a:spLocks noGrp="1"/>
           </p:cNvSpPr>
@@ -10417,6 +10173,7 @@
               <a:rPr lang="en-US" dirty="0"/>
               <a:t>Identification is the process of providing the identity of a subject or user. </a:t>
             </a:r>
+            <a:endParaRPr lang="en-US" dirty="0"/>
           </a:p>
           <a:p>
             <a:endParaRPr lang="en-US" dirty="0"/>
@@ -10426,6 +10183,7 @@
               <a:rPr lang="en-US" dirty="0"/>
               <a:t>This is the first step in the authentication, authorization, and accounting process. </a:t>
             </a:r>
+            <a:endParaRPr lang="en-US" dirty="0"/>
           </a:p>
           <a:p>
             <a:endParaRPr lang="en-US" dirty="0"/>
@@ -10435,6 +10193,7 @@
               <a:rPr lang="en-US" dirty="0"/>
               <a:t>Providing a username, a passport, an IP address, or even pronouncing your name is a form of identification. </a:t>
             </a:r>
+            <a:endParaRPr lang="en-US" dirty="0"/>
           </a:p>
           <a:p>
             <a:endParaRPr lang="en-US" dirty="0"/>
@@ -10444,6 +10203,7 @@
               <a:rPr lang="en-US" dirty="0"/>
               <a:t>A secure identity should be unique in the sense that two users should be able to identify themselves unequivocally. </a:t>
             </a:r>
+            <a:endParaRPr lang="en-US" dirty="0"/>
           </a:p>
           <a:p>
             <a:endParaRPr lang="en-US" dirty="0"/>
@@ -10453,6 +10213,7 @@
               <a:rPr lang="en-US" dirty="0"/>
               <a:t>This is particularly important in the context of account monitoring. Duplication of identity is possible if the authentication systems are not connected. </a:t>
             </a:r>
+            <a:endParaRPr lang="en-US" dirty="0"/>
           </a:p>
           <a:p>
             <a:endParaRPr lang="en-US" dirty="0"/>
@@ -10467,11 +10228,6 @@
         </p:txBody>
       </p:sp>
     </p:spTree>
-    <p:extLst>
-      <p:ext uri="{BB962C8B-B14F-4D97-AF65-F5344CB8AC3E}">
-        <p14:creationId xmlns:p14="http://schemas.microsoft.com/office/powerpoint/2010/main" val="1667730309"/>
-      </p:ext>
-    </p:extLst>
   </p:cSld>
   <p:clrMapOvr>
     <a:masterClrMapping/>
@@ -10498,13 +10254,7 @@
       </p:grpSpPr>
       <p:sp>
         <p:nvSpPr>
-          <p:cNvPr id="2" name="Title 1">
-            <a:extLst>
-              <a:ext uri="{FF2B5EF4-FFF2-40B4-BE49-F238E27FC236}">
-                <a16:creationId xmlns:a16="http://schemas.microsoft.com/office/drawing/2014/main" id="{B955A2AF-CA3A-4F26-9E07-382103393EE1}"/>
-              </a:ext>
-            </a:extLst>
-          </p:cNvPr>
+          <p:cNvPr id="2" name="Title 1"/>
           <p:cNvSpPr>
             <a:spLocks noGrp="1"/>
           </p:cNvSpPr>
@@ -10528,18 +10278,13 @@
               <a:rPr lang="en-GB" dirty="0"/>
               <a:t>Building Blocks of Access Control: Identification</a:t>
             </a:r>
-          </a:p>
-        </p:txBody>
-      </p:sp>
-      <p:sp>
-        <p:nvSpPr>
-          <p:cNvPr id="3" name="Content Placeholder 2">
-            <a:extLst>
-              <a:ext uri="{FF2B5EF4-FFF2-40B4-BE49-F238E27FC236}">
-                <a16:creationId xmlns:a16="http://schemas.microsoft.com/office/drawing/2014/main" id="{39AE1DF7-ED3C-44A0-AAD7-556A43B06CD4}"/>
-              </a:ext>
-            </a:extLst>
-          </p:cNvPr>
+            <a:endParaRPr lang="en-GB" dirty="0"/>
+          </a:p>
+        </p:txBody>
+      </p:sp>
+      <p:sp>
+        <p:nvSpPr>
+          <p:cNvPr id="3" name="Content Placeholder 2"/>
           <p:cNvSpPr>
             <a:spLocks noGrp="1"/>
           </p:cNvSpPr>
@@ -10561,6 +10306,7 @@
               <a:rPr lang="en-US" dirty="0"/>
               <a:t>A secure identity should also be nondescriptive, so that information about the user’s identity cannot be inferred.</a:t>
             </a:r>
+            <a:endParaRPr lang="en-US" dirty="0"/>
           </a:p>
           <a:p>
             <a:endParaRPr lang="en-US" dirty="0"/>
@@ -10570,11 +10316,12 @@
               <a:rPr lang="en-US" dirty="0"/>
               <a:t>For example, using “Administrator” as the user ID is generally not recommended. </a:t>
             </a:r>
+            <a:endParaRPr lang="en-US" dirty="0"/>
           </a:p>
           <a:p>
             <a:pPr>
               <a:tabLst>
-                <a:tab pos="182563" algn="l"/>
+                <a:tab pos="182245" algn="l"/>
               </a:tabLst>
             </a:pPr>
             <a:endParaRPr lang="en-US" dirty="0"/>
@@ -10592,11 +10339,6 @@
         </p:txBody>
       </p:sp>
     </p:spTree>
-    <p:extLst>
-      <p:ext uri="{BB962C8B-B14F-4D97-AF65-F5344CB8AC3E}">
-        <p14:creationId xmlns:p14="http://schemas.microsoft.com/office/powerpoint/2010/main" val="2554551398"/>
-      </p:ext>
-    </p:extLst>
   </p:cSld>
   <p:clrMapOvr>
     <a:masterClrMapping/>
@@ -10623,13 +10365,7 @@
       </p:grpSpPr>
       <p:sp>
         <p:nvSpPr>
-          <p:cNvPr id="2" name="Title 1">
-            <a:extLst>
-              <a:ext uri="{FF2B5EF4-FFF2-40B4-BE49-F238E27FC236}">
-                <a16:creationId xmlns:a16="http://schemas.microsoft.com/office/drawing/2014/main" id="{B955A2AF-CA3A-4F26-9E07-382103393EE1}"/>
-              </a:ext>
-            </a:extLst>
-          </p:cNvPr>
+          <p:cNvPr id="2" name="Title 1"/>
           <p:cNvSpPr>
             <a:spLocks noGrp="1"/>
           </p:cNvSpPr>
@@ -10653,18 +10389,13 @@
               <a:rPr lang="en-GB" dirty="0"/>
               <a:t>Building Blocks of Access Control: Identification</a:t>
             </a:r>
-          </a:p>
-        </p:txBody>
-      </p:sp>
-      <p:sp>
-        <p:nvSpPr>
-          <p:cNvPr id="3" name="Content Placeholder 2">
-            <a:extLst>
-              <a:ext uri="{FF2B5EF4-FFF2-40B4-BE49-F238E27FC236}">
-                <a16:creationId xmlns:a16="http://schemas.microsoft.com/office/drawing/2014/main" id="{39AE1DF7-ED3C-44A0-AAD7-556A43B06CD4}"/>
-              </a:ext>
-            </a:extLst>
-          </p:cNvPr>
+            <a:endParaRPr lang="en-GB" dirty="0"/>
+          </a:p>
+        </p:txBody>
+      </p:sp>
+      <p:sp>
+        <p:nvSpPr>
+          <p:cNvPr id="3" name="Content Placeholder 2"/>
           <p:cNvSpPr>
             <a:spLocks noGrp="1"/>
           </p:cNvSpPr>
@@ -10686,6 +10417,7 @@
               <a:rPr lang="en-GB" dirty="0"/>
               <a:t>The key concepts of identification are:</a:t>
             </a:r>
+            <a:endParaRPr lang="en-GB" dirty="0"/>
           </a:p>
           <a:p>
             <a:pPr lvl="1"/>
@@ -10693,6 +10425,7 @@
               <a:rPr lang="en-US" dirty="0"/>
               <a:t>Secure identities should be unique. </a:t>
             </a:r>
+            <a:endParaRPr lang="en-US" dirty="0"/>
           </a:p>
           <a:p>
             <a:pPr marL="723900" lvl="2" indent="0">
@@ -10702,6 +10435,7 @@
               <a:rPr lang="en-US" dirty="0"/>
               <a:t>Two users with the same identity should not be allowed.</a:t>
             </a:r>
+            <a:endParaRPr lang="en-US" dirty="0"/>
           </a:p>
           <a:p>
             <a:pPr lvl="1"/>
@@ -10713,6 +10447,7 @@
               <a:rPr lang="en-US" dirty="0"/>
               <a:t>Secure identities should be nondescriptive.</a:t>
             </a:r>
+            <a:endParaRPr lang="en-US" dirty="0"/>
           </a:p>
           <a:p>
             <a:pPr marL="723900" lvl="2" indent="0">
@@ -10722,6 +10457,7 @@
               <a:rPr lang="en-US" dirty="0"/>
               <a:t>It should not be possible to infer the role or function of the user. For example, a user called Admin represents a descriptive identity, while a user called c122eert represents a nondescriptive identity.</a:t>
             </a:r>
+            <a:endParaRPr lang="en-US" dirty="0"/>
           </a:p>
           <a:p>
             <a:pPr lvl="1"/>
@@ -10733,6 +10469,7 @@
               <a:rPr lang="en-US" dirty="0"/>
               <a:t>Secure identities should be securely issued. </a:t>
             </a:r>
+            <a:endParaRPr lang="en-US" dirty="0"/>
           </a:p>
           <a:p>
             <a:pPr marL="723900" lvl="2" indent="0">
@@ -10742,6 +10479,7 @@
               <a:rPr lang="en-US" dirty="0"/>
               <a:t>A secure process for issuing an identity to a user needs to be established.</a:t>
             </a:r>
+            <a:endParaRPr lang="en-US" dirty="0"/>
           </a:p>
           <a:p>
             <a:pPr lvl="1"/>
@@ -10758,11 +10496,6 @@
         </p:txBody>
       </p:sp>
     </p:spTree>
-    <p:extLst>
-      <p:ext uri="{BB962C8B-B14F-4D97-AF65-F5344CB8AC3E}">
-        <p14:creationId xmlns:p14="http://schemas.microsoft.com/office/powerpoint/2010/main" val="3307573097"/>
-      </p:ext>
-    </p:extLst>
   </p:cSld>
   <p:clrMapOvr>
     <a:masterClrMapping/>
@@ -10789,13 +10522,7 @@
       </p:grpSpPr>
       <p:sp>
         <p:nvSpPr>
-          <p:cNvPr id="2" name="Title 1">
-            <a:extLst>
-              <a:ext uri="{FF2B5EF4-FFF2-40B4-BE49-F238E27FC236}">
-                <a16:creationId xmlns:a16="http://schemas.microsoft.com/office/drawing/2014/main" id="{0F501C24-CCBA-4EED-A07F-A9BCD7147F7C}"/>
-              </a:ext>
-            </a:extLst>
-          </p:cNvPr>
+          <p:cNvPr id="2" name="Title 1"/>
           <p:cNvSpPr>
             <a:spLocks noGrp="1"/>
           </p:cNvSpPr>
@@ -10825,13 +10552,7 @@
       </p:sp>
       <p:sp>
         <p:nvSpPr>
-          <p:cNvPr id="3" name="Content Placeholder 2">
-            <a:extLst>
-              <a:ext uri="{FF2B5EF4-FFF2-40B4-BE49-F238E27FC236}">
-                <a16:creationId xmlns:a16="http://schemas.microsoft.com/office/drawing/2014/main" id="{BC72B1A9-BF90-42EA-B3AB-3F9578694D07}"/>
-              </a:ext>
-            </a:extLst>
-          </p:cNvPr>
+          <p:cNvPr id="3" name="Content Placeholder 2"/>
           <p:cNvSpPr>
             <a:spLocks noGrp="1"/>
           </p:cNvSpPr>
@@ -10856,6 +10577,7 @@
               <a:rPr lang="en-US" dirty="0"/>
               <a:t>Authentication is the process of proving the identity of a subject or user.</a:t>
             </a:r>
+            <a:endParaRPr lang="en-US" dirty="0"/>
           </a:p>
           <a:p>
             <a:pPr algn="just"/>
@@ -10867,6 +10589,7 @@
               <a:rPr lang="en-US" dirty="0"/>
               <a:t>Once a subject has identified itself in the identification step, the enforcer has to validate the identity – that is, be sure that the subject (or user) is the one it is claiming to be. </a:t>
             </a:r>
+            <a:endParaRPr lang="en-US" dirty="0"/>
           </a:p>
           <a:p>
             <a:pPr algn="just"/>
@@ -10878,6 +10601,7 @@
               <a:rPr lang="en-US" dirty="0"/>
               <a:t>This is done by requesting that the subject (or user) provide something that is unique to the requestor. </a:t>
             </a:r>
+            <a:endParaRPr lang="en-US" dirty="0"/>
           </a:p>
           <a:p>
             <a:pPr algn="just"/>
@@ -10894,11 +10618,6 @@
         </p:txBody>
       </p:sp>
     </p:spTree>
-    <p:extLst>
-      <p:ext uri="{BB962C8B-B14F-4D97-AF65-F5344CB8AC3E}">
-        <p14:creationId xmlns:p14="http://schemas.microsoft.com/office/powerpoint/2010/main" val="2483873786"/>
-      </p:ext>
-    </p:extLst>
   </p:cSld>
   <p:clrMapOvr>
     <a:masterClrMapping/>
@@ -10925,13 +10644,7 @@
       </p:grpSpPr>
       <p:sp>
         <p:nvSpPr>
-          <p:cNvPr id="2" name="Title 1">
-            <a:extLst>
-              <a:ext uri="{FF2B5EF4-FFF2-40B4-BE49-F238E27FC236}">
-                <a16:creationId xmlns:a16="http://schemas.microsoft.com/office/drawing/2014/main" id="{0F501C24-CCBA-4EED-A07F-A9BCD7147F7C}"/>
-              </a:ext>
-            </a:extLst>
-          </p:cNvPr>
+          <p:cNvPr id="2" name="Title 1"/>
           <p:cNvSpPr>
             <a:spLocks noGrp="1"/>
           </p:cNvSpPr>
@@ -10961,13 +10674,7 @@
       </p:sp>
       <p:sp>
         <p:nvSpPr>
-          <p:cNvPr id="3" name="Content Placeholder 2">
-            <a:extLst>
-              <a:ext uri="{FF2B5EF4-FFF2-40B4-BE49-F238E27FC236}">
-                <a16:creationId xmlns:a16="http://schemas.microsoft.com/office/drawing/2014/main" id="{BC72B1A9-BF90-42EA-B3AB-3F9578694D07}"/>
-              </a:ext>
-            </a:extLst>
-          </p:cNvPr>
+          <p:cNvPr id="3" name="Content Placeholder 2"/>
           <p:cNvSpPr>
             <a:spLocks noGrp="1"/>
           </p:cNvSpPr>
@@ -10989,6 +10696,7 @@
               <a:rPr lang="en-GB" b="1" dirty="0"/>
               <a:t>Methods of Authentication</a:t>
             </a:r>
+            <a:endParaRPr lang="en-GB" b="1" dirty="0"/>
           </a:p>
           <a:p>
             <a:pPr lvl="1"/>
@@ -10996,6 +10704,7 @@
               <a:rPr lang="en-GB" dirty="0"/>
               <a:t>The common methods of authentication include:</a:t>
             </a:r>
+            <a:endParaRPr lang="en-GB" dirty="0"/>
           </a:p>
           <a:p>
             <a:pPr lvl="2"/>
@@ -11003,6 +10712,7 @@
               <a:rPr lang="en-GB" dirty="0"/>
               <a:t>Authentication by Knowledge</a:t>
             </a:r>
+            <a:endParaRPr lang="en-GB" dirty="0"/>
           </a:p>
           <a:p>
             <a:pPr lvl="2"/>
@@ -11010,6 +10720,7 @@
               <a:rPr lang="en-GB" dirty="0"/>
               <a:t>Authentication by Ownership</a:t>
             </a:r>
+            <a:endParaRPr lang="en-GB" dirty="0"/>
           </a:p>
           <a:p>
             <a:pPr lvl="2"/>
@@ -11017,6 +10728,7 @@
               <a:rPr lang="en-GB" dirty="0"/>
               <a:t>Authentication by Characteristic</a:t>
             </a:r>
+            <a:endParaRPr lang="en-GB" dirty="0"/>
           </a:p>
           <a:p>
             <a:pPr lvl="2"/>
@@ -11024,18 +10736,14 @@
               <a:rPr lang="en-GB" dirty="0"/>
               <a:t>Multifactor Authentication</a:t>
             </a:r>
-          </a:p>
-          <a:p>
             <a:endParaRPr lang="en-GB" dirty="0"/>
           </a:p>
+          <a:p>
+            <a:endParaRPr lang="en-GB" dirty="0"/>
+          </a:p>
         </p:txBody>
       </p:sp>
     </p:spTree>
-    <p:extLst>
-      <p:ext uri="{BB962C8B-B14F-4D97-AF65-F5344CB8AC3E}">
-        <p14:creationId xmlns:p14="http://schemas.microsoft.com/office/powerpoint/2010/main" val="892157998"/>
-      </p:ext>
-    </p:extLst>
   </p:cSld>
   <p:clrMapOvr>
     <a:masterClrMapping/>
@@ -11062,13 +10770,7 @@
       </p:grpSpPr>
       <p:sp>
         <p:nvSpPr>
-          <p:cNvPr id="2" name="Title 1">
-            <a:extLst>
-              <a:ext uri="{FF2B5EF4-FFF2-40B4-BE49-F238E27FC236}">
-                <a16:creationId xmlns:a16="http://schemas.microsoft.com/office/drawing/2014/main" id="{0F501C24-CCBA-4EED-A07F-A9BCD7147F7C}"/>
-              </a:ext>
-            </a:extLst>
-          </p:cNvPr>
+          <p:cNvPr id="2" name="Title 1"/>
           <p:cNvSpPr>
             <a:spLocks noGrp="1"/>
           </p:cNvSpPr>
@@ -11098,13 +10800,7 @@
       </p:sp>
       <p:sp>
         <p:nvSpPr>
-          <p:cNvPr id="3" name="Content Placeholder 2">
-            <a:extLst>
-              <a:ext uri="{FF2B5EF4-FFF2-40B4-BE49-F238E27FC236}">
-                <a16:creationId xmlns:a16="http://schemas.microsoft.com/office/drawing/2014/main" id="{BC72B1A9-BF90-42EA-B3AB-3F9578694D07}"/>
-              </a:ext>
-            </a:extLst>
-          </p:cNvPr>
+          <p:cNvPr id="3" name="Content Placeholder 2"/>
           <p:cNvSpPr>
             <a:spLocks noGrp="1"/>
           </p:cNvSpPr>
@@ -11127,6 +10823,7 @@
               <a:rPr lang="en-US" dirty="0"/>
               <a:t>Authentication by Knowledge</a:t>
             </a:r>
+            <a:endParaRPr lang="en-US" dirty="0"/>
           </a:p>
           <a:p>
             <a:pPr lvl="1" algn="just"/>
@@ -11134,6 +10831,7 @@
               <a:rPr lang="en-US" dirty="0"/>
               <a:t>Authentication by knowledge is where the user provides a secret that is only known by him.</a:t>
             </a:r>
+            <a:endParaRPr lang="en-US" dirty="0"/>
           </a:p>
           <a:p>
             <a:pPr lvl="1" algn="just"/>
@@ -11145,6 +10843,7 @@
               <a:rPr lang="en-US" dirty="0"/>
               <a:t>An example of authentication by knowledge would be a user providing a password, a personal identification number (PIN) code, or answering security questions.</a:t>
             </a:r>
+            <a:endParaRPr lang="en-US" dirty="0"/>
           </a:p>
           <a:p>
             <a:pPr lvl="1" algn="just"/>
@@ -11161,11 +10860,6 @@
         </p:txBody>
       </p:sp>
     </p:spTree>
-    <p:extLst>
-      <p:ext uri="{BB962C8B-B14F-4D97-AF65-F5344CB8AC3E}">
-        <p14:creationId xmlns:p14="http://schemas.microsoft.com/office/powerpoint/2010/main" val="2613505791"/>
-      </p:ext>
-    </p:extLst>
   </p:cSld>
   <p:clrMapOvr>
     <a:masterClrMapping/>
@@ -11192,13 +10886,7 @@
       </p:grpSpPr>
       <p:sp>
         <p:nvSpPr>
-          <p:cNvPr id="2" name="Title 1">
-            <a:extLst>
-              <a:ext uri="{FF2B5EF4-FFF2-40B4-BE49-F238E27FC236}">
-                <a16:creationId xmlns:a16="http://schemas.microsoft.com/office/drawing/2014/main" id="{0F501C24-CCBA-4EED-A07F-A9BCD7147F7C}"/>
-              </a:ext>
-            </a:extLst>
-          </p:cNvPr>
+          <p:cNvPr id="2" name="Title 1"/>
           <p:cNvSpPr>
             <a:spLocks noGrp="1"/>
           </p:cNvSpPr>
@@ -11228,13 +10916,7 @@
       </p:sp>
       <p:sp>
         <p:nvSpPr>
-          <p:cNvPr id="3" name="Content Placeholder 2">
-            <a:extLst>
-              <a:ext uri="{FF2B5EF4-FFF2-40B4-BE49-F238E27FC236}">
-                <a16:creationId xmlns:a16="http://schemas.microsoft.com/office/drawing/2014/main" id="{BC72B1A9-BF90-42EA-B3AB-3F9578694D07}"/>
-              </a:ext>
-            </a:extLst>
-          </p:cNvPr>
+          <p:cNvPr id="3" name="Content Placeholder 2"/>
           <p:cNvSpPr>
             <a:spLocks noGrp="1"/>
           </p:cNvSpPr>
@@ -11257,6 +10939,7 @@
               <a:rPr lang="en-US" dirty="0"/>
               <a:t>Authentication by Ownership</a:t>
             </a:r>
+            <a:endParaRPr lang="en-US" dirty="0"/>
           </a:p>
           <a:p>
             <a:pPr lvl="1" algn="just"/>
@@ -11264,6 +10947,7 @@
               <a:rPr lang="en-US" dirty="0"/>
               <a:t>With this type of authentication, the user is asked to provide proof that he owns something specific – for example, a system might require an employee to use a badge to access a facility.</a:t>
             </a:r>
+            <a:endParaRPr lang="en-US" dirty="0"/>
           </a:p>
           <a:p>
             <a:pPr lvl="1" algn="just"/>
@@ -11275,6 +10959,7 @@
               <a:rPr lang="en-US" dirty="0"/>
               <a:t>Another example of authentication by ownership is the use of a token or smart card.</a:t>
             </a:r>
+            <a:endParaRPr lang="en-US" dirty="0"/>
           </a:p>
           <a:p>
             <a:pPr lvl="1" algn="just"/>
@@ -11291,11 +10976,6 @@
         </p:txBody>
       </p:sp>
     </p:spTree>
-    <p:extLst>
-      <p:ext uri="{BB962C8B-B14F-4D97-AF65-F5344CB8AC3E}">
-        <p14:creationId xmlns:p14="http://schemas.microsoft.com/office/powerpoint/2010/main" val="944425290"/>
-      </p:ext>
-    </p:extLst>
   </p:cSld>
   <p:clrMapOvr>
     <a:masterClrMapping/>
@@ -11322,13 +11002,7 @@
       </p:grpSpPr>
       <p:sp>
         <p:nvSpPr>
-          <p:cNvPr id="2" name="Title 1">
-            <a:extLst>
-              <a:ext uri="{FF2B5EF4-FFF2-40B4-BE49-F238E27FC236}">
-                <a16:creationId xmlns:a16="http://schemas.microsoft.com/office/drawing/2014/main" id="{41717D4F-8257-40AE-B0C3-8DCAB2CF5057}"/>
-              </a:ext>
-            </a:extLst>
-          </p:cNvPr>
+          <p:cNvPr id="2" name="Title 1"/>
           <p:cNvSpPr>
             <a:spLocks noGrp="1"/>
           </p:cNvSpPr>
@@ -11345,18 +11019,13 @@
               <a:rPr lang="en-GB" dirty="0"/>
               <a:t>Risk Analysis</a:t>
             </a:r>
-          </a:p>
-        </p:txBody>
-      </p:sp>
-      <p:sp>
-        <p:nvSpPr>
-          <p:cNvPr id="3" name="Content Placeholder 2">
-            <a:extLst>
-              <a:ext uri="{FF2B5EF4-FFF2-40B4-BE49-F238E27FC236}">
-                <a16:creationId xmlns:a16="http://schemas.microsoft.com/office/drawing/2014/main" id="{54466FD1-C0CB-424F-82A1-A947CA1418E9}"/>
-              </a:ext>
-            </a:extLst>
-          </p:cNvPr>
+            <a:endParaRPr lang="en-GB" dirty="0"/>
+          </a:p>
+        </p:txBody>
+      </p:sp>
+      <p:sp>
+        <p:nvSpPr>
+          <p:cNvPr id="3" name="Content Placeholder 2"/>
           <p:cNvSpPr>
             <a:spLocks noGrp="1"/>
           </p:cNvSpPr>
@@ -11380,6 +11049,7 @@
               <a:rPr lang="en-GB" dirty="0"/>
               <a:t>Risks, in system security is the possibility of a security incident (something bad) happening. </a:t>
             </a:r>
+            <a:endParaRPr lang="en-GB" dirty="0"/>
           </a:p>
           <a:p>
             <a:endParaRPr lang="en-GB" dirty="0"/>
@@ -11389,6 +11059,7 @@
               <a:rPr lang="en-GB" dirty="0"/>
               <a:t>There are many standards and methodologies for classifying and analysing security risks.</a:t>
             </a:r>
+            <a:endParaRPr lang="en-GB" dirty="0"/>
           </a:p>
           <a:p>
             <a:endParaRPr lang="en-GB" dirty="0"/>
@@ -11398,6 +11069,7 @@
               <a:rPr lang="en-GB" dirty="0"/>
               <a:t>The Federal Institutions Examinations Council (FFIEC) developed the Cybersecurity Assessment Tool (Assessment) to help financial institutions identify their risks and determine their cyber security preparedness.</a:t>
             </a:r>
+            <a:endParaRPr lang="en-GB" dirty="0"/>
           </a:p>
           <a:p>
             <a:endParaRPr lang="en-GB" dirty="0"/>
@@ -11407,6 +11079,7 @@
               <a:rPr lang="en-GB" dirty="0"/>
               <a:t>This guidance/tool can be useful for any kind of organisation.</a:t>
             </a:r>
+            <a:endParaRPr lang="en-GB" dirty="0"/>
           </a:p>
           <a:p>
             <a:endParaRPr lang="en-GB" dirty="0"/>
@@ -11416,6 +11089,7 @@
               <a:rPr lang="en-GB" dirty="0"/>
               <a:t>The FFIEC tool provides a repeatable and measurable process for organisations to measure their security readiness.</a:t>
             </a:r>
+            <a:endParaRPr lang="en-GB" dirty="0"/>
           </a:p>
           <a:p>
             <a:endParaRPr lang="en-GB" dirty="0"/>
@@ -11425,6 +11099,7 @@
               <a:rPr lang="en-GB" dirty="0"/>
               <a:t>The FFIEC assessment consists of two parts:</a:t>
             </a:r>
+            <a:endParaRPr lang="en-GB" dirty="0"/>
           </a:p>
           <a:p>
             <a:pPr lvl="1"/>
@@ -11432,6 +11107,7 @@
               <a:rPr lang="en-GB" dirty="0"/>
               <a:t>Inherent Risk Profile and Cybersecurity Maturity</a:t>
             </a:r>
+            <a:endParaRPr lang="en-GB" dirty="0"/>
           </a:p>
           <a:p>
             <a:pPr lvl="1"/>
@@ -11447,15 +11123,11 @@
               <a:rPr lang="en-GB" dirty="0"/>
               <a:t> for Standardisation (ISO) 27001</a:t>
             </a:r>
+            <a:endParaRPr lang="en-GB" dirty="0"/>
           </a:p>
         </p:txBody>
       </p:sp>
     </p:spTree>
-    <p:extLst>
-      <p:ext uri="{BB962C8B-B14F-4D97-AF65-F5344CB8AC3E}">
-        <p14:creationId xmlns:p14="http://schemas.microsoft.com/office/powerpoint/2010/main" val="2178316389"/>
-      </p:ext>
-    </p:extLst>
   </p:cSld>
   <p:clrMapOvr>
     <a:masterClrMapping/>
@@ -11482,13 +11154,7 @@
       </p:grpSpPr>
       <p:sp>
         <p:nvSpPr>
-          <p:cNvPr id="2" name="Title 1">
-            <a:extLst>
-              <a:ext uri="{FF2B5EF4-FFF2-40B4-BE49-F238E27FC236}">
-                <a16:creationId xmlns:a16="http://schemas.microsoft.com/office/drawing/2014/main" id="{0F501C24-CCBA-4EED-A07F-A9BCD7147F7C}"/>
-              </a:ext>
-            </a:extLst>
-          </p:cNvPr>
+          <p:cNvPr id="2" name="Title 1"/>
           <p:cNvSpPr>
             <a:spLocks noGrp="1"/>
           </p:cNvSpPr>
@@ -11518,13 +11184,7 @@
       </p:sp>
       <p:sp>
         <p:nvSpPr>
-          <p:cNvPr id="3" name="Content Placeholder 2">
-            <a:extLst>
-              <a:ext uri="{FF2B5EF4-FFF2-40B4-BE49-F238E27FC236}">
-                <a16:creationId xmlns:a16="http://schemas.microsoft.com/office/drawing/2014/main" id="{BC72B1A9-BF90-42EA-B3AB-3F9578694D07}"/>
-              </a:ext>
-            </a:extLst>
-          </p:cNvPr>
+          <p:cNvPr id="3" name="Content Placeholder 2"/>
           <p:cNvSpPr>
             <a:spLocks noGrp="1"/>
           </p:cNvSpPr>
@@ -11548,6 +11208,7 @@
               <a:rPr lang="en-US" dirty="0"/>
               <a:t>Authentication by Characteristic</a:t>
             </a:r>
+            <a:endParaRPr lang="en-US" dirty="0"/>
           </a:p>
           <a:p>
             <a:pPr lvl="1"/>
@@ -11555,6 +11216,7 @@
               <a:rPr lang="en-US" dirty="0"/>
               <a:t>A system that uses authentication by characteristic authenticates the user based on some physical or behavioral characteristic, sometimes referred to as a biometric attribute. </a:t>
             </a:r>
+            <a:endParaRPr lang="en-US" dirty="0"/>
           </a:p>
           <a:p>
             <a:pPr lvl="1"/>
@@ -11566,6 +11228,7 @@
               <a:rPr lang="en-US" dirty="0"/>
               <a:t>The most used physical or physiological characteristics are:</a:t>
             </a:r>
+            <a:endParaRPr lang="en-US" dirty="0"/>
           </a:p>
           <a:p>
             <a:pPr lvl="2"/>
@@ -11573,6 +11236,7 @@
               <a:rPr lang="en-US" dirty="0"/>
               <a:t>Fingerprints</a:t>
             </a:r>
+            <a:endParaRPr lang="en-US" dirty="0"/>
           </a:p>
           <a:p>
             <a:pPr lvl="2"/>
@@ -11580,6 +11244,7 @@
               <a:rPr lang="en-US" dirty="0"/>
               <a:t>Face</a:t>
             </a:r>
+            <a:endParaRPr lang="en-US" dirty="0"/>
           </a:p>
           <a:p>
             <a:pPr lvl="2"/>
@@ -11587,6 +11252,7 @@
               <a:rPr lang="en-US" dirty="0"/>
               <a:t>Retina and iris</a:t>
             </a:r>
+            <a:endParaRPr lang="en-US" dirty="0"/>
           </a:p>
           <a:p>
             <a:pPr lvl="2"/>
@@ -11594,6 +11260,7 @@
               <a:rPr lang="en-GB" dirty="0"/>
               <a:t>Palm and hand geometry</a:t>
             </a:r>
+            <a:endParaRPr lang="en-GB" dirty="0"/>
           </a:p>
           <a:p>
             <a:pPr lvl="2"/>
@@ -11601,6 +11268,7 @@
               <a:rPr lang="en-GB" dirty="0"/>
               <a:t>Blood and vascular information</a:t>
             </a:r>
+            <a:endParaRPr lang="en-GB" dirty="0"/>
           </a:p>
           <a:p>
             <a:pPr lvl="2"/>
@@ -11608,6 +11276,7 @@
               <a:rPr lang="en-GB" dirty="0"/>
               <a:t>Voice</a:t>
             </a:r>
+            <a:endParaRPr lang="en-GB" dirty="0"/>
           </a:p>
           <a:p>
             <a:pPr lvl="1"/>
@@ -11619,6 +11288,7 @@
               <a:rPr lang="en-GB" dirty="0"/>
               <a:t>Examples of behavioural characteristics are:</a:t>
             </a:r>
+            <a:endParaRPr lang="en-GB" dirty="0"/>
           </a:p>
           <a:p>
             <a:pPr lvl="2"/>
@@ -11626,6 +11296,7 @@
               <a:rPr lang="en-GB" dirty="0"/>
               <a:t>Signature dynamic</a:t>
             </a:r>
+            <a:endParaRPr lang="en-GB" dirty="0"/>
           </a:p>
           <a:p>
             <a:pPr lvl="2"/>
@@ -11633,15 +11304,11 @@
               <a:rPr lang="en-GB" dirty="0"/>
               <a:t>Keystroke dynamic/pattern</a:t>
             </a:r>
+            <a:endParaRPr lang="en-GB" dirty="0"/>
           </a:p>
         </p:txBody>
       </p:sp>
     </p:spTree>
-    <p:extLst>
-      <p:ext uri="{BB962C8B-B14F-4D97-AF65-F5344CB8AC3E}">
-        <p14:creationId xmlns:p14="http://schemas.microsoft.com/office/powerpoint/2010/main" val="4127638582"/>
-      </p:ext>
-    </p:extLst>
   </p:cSld>
   <p:clrMapOvr>
     <a:masterClrMapping/>
@@ -11668,13 +11335,7 @@
       </p:grpSpPr>
       <p:sp>
         <p:nvSpPr>
-          <p:cNvPr id="2" name="Title 1">
-            <a:extLst>
-              <a:ext uri="{FF2B5EF4-FFF2-40B4-BE49-F238E27FC236}">
-                <a16:creationId xmlns:a16="http://schemas.microsoft.com/office/drawing/2014/main" id="{0F501C24-CCBA-4EED-A07F-A9BCD7147F7C}"/>
-              </a:ext>
-            </a:extLst>
-          </p:cNvPr>
+          <p:cNvPr id="2" name="Title 1"/>
           <p:cNvSpPr>
             <a:spLocks noGrp="1"/>
           </p:cNvSpPr>
@@ -11704,13 +11365,7 @@
       </p:sp>
       <p:sp>
         <p:nvSpPr>
-          <p:cNvPr id="3" name="Content Placeholder 2">
-            <a:extLst>
-              <a:ext uri="{FF2B5EF4-FFF2-40B4-BE49-F238E27FC236}">
-                <a16:creationId xmlns:a16="http://schemas.microsoft.com/office/drawing/2014/main" id="{BC72B1A9-BF90-42EA-B3AB-3F9578694D07}"/>
-              </a:ext>
-            </a:extLst>
-          </p:cNvPr>
+          <p:cNvPr id="3" name="Content Placeholder 2"/>
           <p:cNvSpPr>
             <a:spLocks noGrp="1"/>
           </p:cNvSpPr>
@@ -11734,6 +11389,7 @@
               <a:rPr lang="en-US" dirty="0"/>
               <a:t>Authorization is the process of granting a subject access to an object or resource. </a:t>
             </a:r>
+            <a:endParaRPr lang="en-US" dirty="0"/>
           </a:p>
           <a:p>
             <a:endParaRPr lang="en-US" dirty="0"/>
@@ -11743,6 +11399,7 @@
               <a:rPr lang="en-US" dirty="0"/>
               <a:t>This typically happens after the subject has completed the authentication process. </a:t>
             </a:r>
+            <a:endParaRPr lang="en-US" dirty="0"/>
           </a:p>
           <a:p>
             <a:endParaRPr lang="en-US" dirty="0"/>
@@ -11752,6 +11409,7 @@
               <a:rPr lang="en-US" dirty="0"/>
               <a:t>A policy or rule needs to be established to describe in which cases a subject should be able to access the resource. </a:t>
             </a:r>
+            <a:endParaRPr lang="en-US" dirty="0"/>
           </a:p>
           <a:p>
             <a:endParaRPr lang="en-US" dirty="0"/>
@@ -11761,6 +11419,7 @@
               <a:rPr lang="en-US" dirty="0"/>
               <a:t>Additionally, when granting access, the authorisation process would check the permissions associated with the subject/object pair so that the correct access right is provided. </a:t>
             </a:r>
+            <a:endParaRPr lang="en-US" dirty="0"/>
           </a:p>
           <a:p>
             <a:endParaRPr lang="en-US" dirty="0"/>
@@ -11775,11 +11434,6 @@
         </p:txBody>
       </p:sp>
     </p:spTree>
-    <p:extLst>
-      <p:ext uri="{BB962C8B-B14F-4D97-AF65-F5344CB8AC3E}">
-        <p14:creationId xmlns:p14="http://schemas.microsoft.com/office/powerpoint/2010/main" val="2437700781"/>
-      </p:ext>
-    </p:extLst>
   </p:cSld>
   <p:clrMapOvr>
     <a:masterClrMapping/>
@@ -11806,13 +11460,7 @@
       </p:grpSpPr>
       <p:sp>
         <p:nvSpPr>
-          <p:cNvPr id="2" name="Title 1">
-            <a:extLst>
-              <a:ext uri="{FF2B5EF4-FFF2-40B4-BE49-F238E27FC236}">
-                <a16:creationId xmlns:a16="http://schemas.microsoft.com/office/drawing/2014/main" id="{0F501C24-CCBA-4EED-A07F-A9BCD7147F7C}"/>
-              </a:ext>
-            </a:extLst>
-          </p:cNvPr>
+          <p:cNvPr id="2" name="Title 1"/>
           <p:cNvSpPr>
             <a:spLocks noGrp="1"/>
           </p:cNvSpPr>
@@ -11842,13 +11490,7 @@
       </p:sp>
       <p:sp>
         <p:nvSpPr>
-          <p:cNvPr id="3" name="Content Placeholder 2">
-            <a:extLst>
-              <a:ext uri="{FF2B5EF4-FFF2-40B4-BE49-F238E27FC236}">
-                <a16:creationId xmlns:a16="http://schemas.microsoft.com/office/drawing/2014/main" id="{BC72B1A9-BF90-42EA-B3AB-3F9578694D07}"/>
-              </a:ext>
-            </a:extLst>
-          </p:cNvPr>
+          <p:cNvPr id="3" name="Content Placeholder 2"/>
           <p:cNvSpPr>
             <a:spLocks noGrp="1"/>
           </p:cNvSpPr>
@@ -11873,6 +11515,7 @@
               <a:rPr lang="en-US" dirty="0"/>
               <a:t>The authorization policy and rule should take various attributes into consideration, such as the identity of the subject, the location from where the subject is requesting access, the subject’s role within the organization, and so on. </a:t>
             </a:r>
+            <a:endParaRPr lang="en-US" dirty="0"/>
           </a:p>
           <a:p>
             <a:pPr algn="just"/>
@@ -11884,6 +11527,7 @@
               <a:rPr lang="en-US" dirty="0"/>
               <a:t>An authorization policy should implement two concepts:</a:t>
             </a:r>
+            <a:endParaRPr lang="en-US" dirty="0"/>
           </a:p>
           <a:p>
             <a:pPr lvl="1" algn="just"/>
@@ -11895,6 +11539,7 @@
               <a:rPr lang="en-US" dirty="0"/>
               <a:t>: If no rule is specified for the transaction of the subject/object, the authorization policy should deny the transaction.</a:t>
             </a:r>
+            <a:endParaRPr lang="en-US" dirty="0"/>
           </a:p>
           <a:p>
             <a:pPr lvl="1" algn="just"/>
@@ -11906,6 +11551,7 @@
               <a:rPr lang="en-US" dirty="0"/>
               <a:t>: A subject should be granted access to an object only if the access is needed to carry out the job of the subject.</a:t>
             </a:r>
+            <a:endParaRPr lang="en-US" dirty="0"/>
           </a:p>
           <a:p>
             <a:pPr algn="just"/>
@@ -11922,11 +11568,6 @@
         </p:txBody>
       </p:sp>
     </p:spTree>
-    <p:extLst>
-      <p:ext uri="{BB962C8B-B14F-4D97-AF65-F5344CB8AC3E}">
-        <p14:creationId xmlns:p14="http://schemas.microsoft.com/office/powerpoint/2010/main" val="2135432095"/>
-      </p:ext>
-    </p:extLst>
   </p:cSld>
   <p:clrMapOvr>
     <a:masterClrMapping/>
@@ -11953,13 +11594,7 @@
       </p:grpSpPr>
       <p:sp>
         <p:nvSpPr>
-          <p:cNvPr id="2" name="Title 1">
-            <a:extLst>
-              <a:ext uri="{FF2B5EF4-FFF2-40B4-BE49-F238E27FC236}">
-                <a16:creationId xmlns:a16="http://schemas.microsoft.com/office/drawing/2014/main" id="{928E5790-678D-48B0-A4E9-5E95F8E2DFDA}"/>
-              </a:ext>
-            </a:extLst>
-          </p:cNvPr>
+          <p:cNvPr id="2" name="Title 1"/>
           <p:cNvSpPr>
             <a:spLocks noGrp="1"/>
           </p:cNvSpPr>
@@ -11982,13 +11617,7 @@
       </p:sp>
       <p:sp>
         <p:nvSpPr>
-          <p:cNvPr id="3" name="Content Placeholder 2">
-            <a:extLst>
-              <a:ext uri="{FF2B5EF4-FFF2-40B4-BE49-F238E27FC236}">
-                <a16:creationId xmlns:a16="http://schemas.microsoft.com/office/drawing/2014/main" id="{5AB2EE57-8F6D-448F-AFFE-8B622AED419E}"/>
-              </a:ext>
-            </a:extLst>
-          </p:cNvPr>
+          <p:cNvPr id="3" name="Content Placeholder 2"/>
           <p:cNvSpPr>
             <a:spLocks noGrp="1"/>
           </p:cNvSpPr>
@@ -12012,6 +11641,7 @@
               <a:rPr lang="en-US" dirty="0"/>
               <a:t>Accounting is the process of auditing and monitoring what a user does once a specific resource is accessed. </a:t>
             </a:r>
+            <a:endParaRPr lang="en-US" dirty="0"/>
           </a:p>
           <a:p>
             <a:endParaRPr lang="en-US" dirty="0"/>
@@ -12021,6 +11651,7 @@
               <a:rPr lang="en-US" dirty="0"/>
               <a:t>This process is sometimes overlooked; however, as a security professional, it is important to be aware of accounting and to advocate that it be implemented due to the great help it provides during detection and investigation of cyber security breaches. </a:t>
             </a:r>
+            <a:endParaRPr lang="en-US" dirty="0"/>
           </a:p>
           <a:p>
             <a:endParaRPr lang="en-US" dirty="0"/>
@@ -12030,6 +11661,7 @@
               <a:rPr lang="en-US" dirty="0"/>
               <a:t>When accounting is implemented, an audit trail log is created and stored that details when the user has accessed the resource, what the user did with that resource, and when the user stopped using the resource. </a:t>
             </a:r>
+            <a:endParaRPr lang="en-US" dirty="0"/>
           </a:p>
           <a:p>
             <a:endParaRPr lang="en-US" dirty="0"/>
@@ -12044,11 +11676,6 @@
         </p:txBody>
       </p:sp>
     </p:spTree>
-    <p:extLst>
-      <p:ext uri="{BB962C8B-B14F-4D97-AF65-F5344CB8AC3E}">
-        <p14:creationId xmlns:p14="http://schemas.microsoft.com/office/powerpoint/2010/main" val="1762780641"/>
-      </p:ext>
-    </p:extLst>
   </p:cSld>
   <p:clrMapOvr>
     <a:masterClrMapping/>
@@ -12075,13 +11702,7 @@
       </p:grpSpPr>
       <p:sp>
         <p:nvSpPr>
-          <p:cNvPr id="2" name="Title 1">
-            <a:extLst>
-              <a:ext uri="{FF2B5EF4-FFF2-40B4-BE49-F238E27FC236}">
-                <a16:creationId xmlns:a16="http://schemas.microsoft.com/office/drawing/2014/main" id="{7CD02CAE-210E-47CD-B54A-3D21A24A8FEE}"/>
-              </a:ext>
-            </a:extLst>
-          </p:cNvPr>
+          <p:cNvPr id="2" name="Title 1"/>
           <p:cNvSpPr>
             <a:spLocks noGrp="1"/>
           </p:cNvSpPr>
@@ -12104,15 +11725,11 @@
               <a:rPr lang="en-GB" dirty="0"/>
               <a:t>Questions.</a:t>
             </a:r>
+            <a:endParaRPr lang="en-GB" dirty="0"/>
           </a:p>
         </p:txBody>
       </p:sp>
     </p:spTree>
-    <p:extLst>
-      <p:ext uri="{BB962C8B-B14F-4D97-AF65-F5344CB8AC3E}">
-        <p14:creationId xmlns:p14="http://schemas.microsoft.com/office/powerpoint/2010/main" val="278087324"/>
-      </p:ext>
-    </p:extLst>
   </p:cSld>
   <p:clrMapOvr>
     <a:masterClrMapping/>
@@ -12139,13 +11756,7 @@
       </p:grpSpPr>
       <p:sp>
         <p:nvSpPr>
-          <p:cNvPr id="2" name="Title 1">
-            <a:extLst>
-              <a:ext uri="{FF2B5EF4-FFF2-40B4-BE49-F238E27FC236}">
-                <a16:creationId xmlns:a16="http://schemas.microsoft.com/office/drawing/2014/main" id="{DB4E47B1-F1DB-4EC6-9118-B93F5B6FF272}"/>
-              </a:ext>
-            </a:extLst>
-          </p:cNvPr>
+          <p:cNvPr id="2" name="Title 1"/>
           <p:cNvSpPr>
             <a:spLocks noGrp="1"/>
           </p:cNvSpPr>
@@ -12167,18 +11778,13 @@
               <a:rPr lang="en-GB" dirty="0"/>
               <a:t>Risk Analysis</a:t>
             </a:r>
-          </a:p>
-        </p:txBody>
-      </p:sp>
-      <p:sp>
-        <p:nvSpPr>
-          <p:cNvPr id="3" name="Content Placeholder 2">
-            <a:extLst>
-              <a:ext uri="{FF2B5EF4-FFF2-40B4-BE49-F238E27FC236}">
-                <a16:creationId xmlns:a16="http://schemas.microsoft.com/office/drawing/2014/main" id="{0FDCDC60-303F-47CE-A1AF-33A3C487C4D6}"/>
-              </a:ext>
-            </a:extLst>
-          </p:cNvPr>
+            <a:endParaRPr lang="en-GB" dirty="0"/>
+          </a:p>
+        </p:txBody>
+      </p:sp>
+      <p:sp>
+        <p:nvSpPr>
+          <p:cNvPr id="3" name="Content Placeholder 2"/>
           <p:cNvSpPr>
             <a:spLocks noGrp="1"/>
           </p:cNvSpPr>
@@ -12202,6 +11808,7 @@
               <a:rPr lang="en-GB" dirty="0"/>
               <a:t>Inherent Risk Profile and Cybersecurity Maturity</a:t>
             </a:r>
+            <a:endParaRPr lang="en-GB" dirty="0"/>
           </a:p>
           <a:p>
             <a:pPr lvl="1"/>
@@ -12209,6 +11816,7 @@
               <a:rPr lang="en-US" dirty="0"/>
               <a:t>The Inherent Risk Profile identifies the institution’s inherent risk before implementing controls.</a:t>
             </a:r>
+            <a:endParaRPr lang="en-US" dirty="0"/>
           </a:p>
           <a:p>
             <a:pPr lvl="1"/>
@@ -12220,6 +11828,7 @@
               <a:rPr lang="en-US" dirty="0"/>
               <a:t>The Cybersecurity Maturity includes domains, assessment factors, components, and individual declarative statements across five maturity levels to identify specific controls and practices that are in place. </a:t>
             </a:r>
+            <a:endParaRPr lang="en-US" dirty="0"/>
           </a:p>
           <a:p>
             <a:pPr lvl="1"/>
@@ -12239,11 +11848,6 @@
         </p:txBody>
       </p:sp>
     </p:spTree>
-    <p:extLst>
-      <p:ext uri="{BB962C8B-B14F-4D97-AF65-F5344CB8AC3E}">
-        <p14:creationId xmlns:p14="http://schemas.microsoft.com/office/powerpoint/2010/main" val="3705308732"/>
-      </p:ext>
-    </p:extLst>
   </p:cSld>
   <p:clrMapOvr>
     <a:masterClrMapping/>
@@ -12270,13 +11874,7 @@
       </p:grpSpPr>
       <p:sp>
         <p:nvSpPr>
-          <p:cNvPr id="2" name="Title 1">
-            <a:extLst>
-              <a:ext uri="{FF2B5EF4-FFF2-40B4-BE49-F238E27FC236}">
-                <a16:creationId xmlns:a16="http://schemas.microsoft.com/office/drawing/2014/main" id="{AE0F15D8-4B26-4B1F-B6B2-1C72BC2DEBF9}"/>
-              </a:ext>
-            </a:extLst>
-          </p:cNvPr>
+          <p:cNvPr id="2" name="Title 1"/>
           <p:cNvSpPr>
             <a:spLocks noGrp="1"/>
           </p:cNvSpPr>
@@ -12298,18 +11896,13 @@
               <a:rPr lang="en-GB" dirty="0"/>
               <a:t>Risk Analysis</a:t>
             </a:r>
-          </a:p>
-        </p:txBody>
-      </p:sp>
-      <p:sp>
-        <p:nvSpPr>
-          <p:cNvPr id="3" name="Content Placeholder 2">
-            <a:extLst>
-              <a:ext uri="{FF2B5EF4-FFF2-40B4-BE49-F238E27FC236}">
-                <a16:creationId xmlns:a16="http://schemas.microsoft.com/office/drawing/2014/main" id="{821A1AC6-2CA0-4325-973D-A2AB4FAB2D49}"/>
-              </a:ext>
-            </a:extLst>
-          </p:cNvPr>
+            <a:endParaRPr lang="en-GB" dirty="0"/>
+          </a:p>
+        </p:txBody>
+      </p:sp>
+      <p:sp>
+        <p:nvSpPr>
+          <p:cNvPr id="3" name="Content Placeholder 2"/>
           <p:cNvSpPr>
             <a:spLocks noGrp="1"/>
           </p:cNvSpPr>
@@ -12333,6 +11926,7 @@
               <a:rPr lang="en-GB" dirty="0"/>
               <a:t>The International Organisation for Standardisation (ISO) 27001</a:t>
             </a:r>
+            <a:endParaRPr lang="en-GB" dirty="0"/>
           </a:p>
           <a:p>
             <a:pPr lvl="1"/>
@@ -12340,6 +11934,7 @@
               <a:rPr lang="en-US" dirty="0"/>
               <a:t>This is the international standard for implementing an information security management system (ISMS).</a:t>
             </a:r>
+            <a:endParaRPr lang="en-US" dirty="0"/>
           </a:p>
           <a:p>
             <a:pPr lvl="1"/>
@@ -12351,6 +11946,7 @@
               <a:rPr lang="en-US" dirty="0"/>
               <a:t>ISO 27001 is heavily focused on risk-based planning to ensure that the identified information risks (including cyber risks) are appropriately managed according to the threats and the nature of those threats.  </a:t>
             </a:r>
+            <a:endParaRPr lang="en-US" dirty="0"/>
           </a:p>
           <a:p>
             <a:pPr lvl="1"/>
@@ -12362,6 +11958,7 @@
               <a:rPr lang="en-US" dirty="0"/>
               <a:t>ISO 31000 is the general risk management standard that includes principles and guidelines for managing risk. It can be used by any organization, regardless of its size, activity, or sector. </a:t>
             </a:r>
+            <a:endParaRPr lang="en-US" dirty="0"/>
           </a:p>
           <a:p>
             <a:pPr lvl="1"/>
@@ -12381,11 +11978,6 @@
         </p:txBody>
       </p:sp>
     </p:spTree>
-    <p:extLst>
-      <p:ext uri="{BB962C8B-B14F-4D97-AF65-F5344CB8AC3E}">
-        <p14:creationId xmlns:p14="http://schemas.microsoft.com/office/powerpoint/2010/main" val="3970703556"/>
-      </p:ext>
-    </p:extLst>
   </p:cSld>
   <p:clrMapOvr>
     <a:masterClrMapping/>
@@ -12412,13 +12004,7 @@
       </p:grpSpPr>
       <p:sp>
         <p:nvSpPr>
-          <p:cNvPr id="2" name="Title 1">
-            <a:extLst>
-              <a:ext uri="{FF2B5EF4-FFF2-40B4-BE49-F238E27FC236}">
-                <a16:creationId xmlns:a16="http://schemas.microsoft.com/office/drawing/2014/main" id="{74D2CB2E-A216-4AD0-ACB8-31ED84BDDA79}"/>
-              </a:ext>
-            </a:extLst>
-          </p:cNvPr>
+          <p:cNvPr id="2" name="Title 1"/>
           <p:cNvSpPr>
             <a:spLocks noGrp="1"/>
           </p:cNvSpPr>
@@ -12440,18 +12026,13 @@
               <a:rPr lang="en-GB" dirty="0"/>
               <a:t>Risk Management</a:t>
             </a:r>
-          </a:p>
-        </p:txBody>
-      </p:sp>
-      <p:sp>
-        <p:nvSpPr>
-          <p:cNvPr id="3" name="Content Placeholder 2">
-            <a:extLst>
-              <a:ext uri="{FF2B5EF4-FFF2-40B4-BE49-F238E27FC236}">
-                <a16:creationId xmlns:a16="http://schemas.microsoft.com/office/drawing/2014/main" id="{8204369E-C61F-4463-8CF5-2172A2C75A35}"/>
-              </a:ext>
-            </a:extLst>
-          </p:cNvPr>
+            <a:endParaRPr lang="en-GB" dirty="0"/>
+          </a:p>
+        </p:txBody>
+      </p:sp>
+      <p:sp>
+        <p:nvSpPr>
+          <p:cNvPr id="3" name="Content Placeholder 2"/>
           <p:cNvSpPr>
             <a:spLocks noGrp="1"/>
           </p:cNvSpPr>
@@ -12476,6 +12057,7 @@
               <a:rPr lang="en-US" dirty="0"/>
               <a:t>Risk management is a systematic and strategic process of identifying, assessing, prioritizing, and mitigating risks in order to minimize the negative impact of potential threat.</a:t>
             </a:r>
+            <a:endParaRPr lang="en-US" dirty="0"/>
           </a:p>
           <a:p>
             <a:pPr algn="just"/>
@@ -12487,6 +12069,7 @@
               <a:rPr lang="en-US" dirty="0"/>
               <a:t>Per the ISO, risk management involves a continual process consisting of a structured sequence of iterative activities. </a:t>
             </a:r>
+            <a:endParaRPr lang="en-US" dirty="0"/>
           </a:p>
           <a:p>
             <a:pPr algn="just"/>
@@ -12498,6 +12081,7 @@
               <a:rPr lang="en-US" dirty="0"/>
               <a:t>These activities include:</a:t>
             </a:r>
+            <a:endParaRPr lang="en-US" dirty="0"/>
           </a:p>
           <a:p>
             <a:pPr lvl="1" algn="just"/>
@@ -12505,6 +12089,7 @@
               <a:rPr lang="en-US" dirty="0"/>
               <a:t>Establishing the risk management context (e.g. the scope, compliance obligations, approaches/methods to be used and relevant policies and criteria such as the organization’s risk tolerance or appetite).</a:t>
             </a:r>
+            <a:endParaRPr lang="en-US" dirty="0"/>
           </a:p>
           <a:p>
             <a:pPr lvl="1" algn="just"/>
@@ -12512,6 +12097,7 @@
               <a:rPr lang="en-US" dirty="0"/>
               <a:t>Quantitatively or qualitatively assess (i.e. identify, analyze and evaluate) relevant information risks, taking into account the information assets, threats, existing controls and vulnerabilities to determine the likelihood of incidents or incident scenarios, and the predicted business consequences if they were to occur, to determine a ‘level of risk.</a:t>
             </a:r>
+            <a:endParaRPr lang="en-US" dirty="0"/>
           </a:p>
           <a:p>
             <a:pPr lvl="1" algn="just"/>
@@ -12519,6 +12105,7 @@
               <a:rPr lang="en-US" dirty="0"/>
               <a:t>Treat (i.e. modify [use information security controls], retain [accept], avoid and/or share [with third parties]) the risks appropriately, using those ‘levels of risk’ to prioritize them</a:t>
             </a:r>
+            <a:endParaRPr lang="en-US" dirty="0"/>
           </a:p>
           <a:p>
             <a:pPr lvl="1" algn="just"/>
@@ -12528,6 +12115,9 @@
               </a:rPr>
               <a:t>Keep stakeholders informed throughout the process.</a:t>
             </a:r>
+            <a:endParaRPr lang="en-US" sz="1800" i="0" u="none" strike="noStrike" baseline="0" dirty="0">
+              <a:latin typeface="Century Gothic" panose="020B0502020202020204" pitchFamily="34" charset="0"/>
+            </a:endParaRPr>
           </a:p>
           <a:p>
             <a:pPr lvl="1" algn="just"/>
@@ -12535,6 +12125,7 @@
               <a:rPr lang="en-US" dirty="0"/>
               <a:t>Monitor and review risks, risk treatments, obligations and criteria on an ongoing basis, identifying and responding appropriately to significant changes.</a:t>
             </a:r>
+            <a:endParaRPr lang="en-US" dirty="0"/>
           </a:p>
           <a:p>
             <a:pPr lvl="1" algn="just"/>
@@ -12547,11 +12138,6 @@
         </p:txBody>
       </p:sp>
     </p:spTree>
-    <p:extLst>
-      <p:ext uri="{BB962C8B-B14F-4D97-AF65-F5344CB8AC3E}">
-        <p14:creationId xmlns:p14="http://schemas.microsoft.com/office/powerpoint/2010/main" val="1980377000"/>
-      </p:ext>
-    </p:extLst>
   </p:cSld>
   <p:clrMapOvr>
     <a:masterClrMapping/>
@@ -12578,13 +12164,7 @@
       </p:grpSpPr>
       <p:sp>
         <p:nvSpPr>
-          <p:cNvPr id="2" name="Title 1">
-            <a:extLst>
-              <a:ext uri="{FF2B5EF4-FFF2-40B4-BE49-F238E27FC236}">
-                <a16:creationId xmlns:a16="http://schemas.microsoft.com/office/drawing/2014/main" id="{D04B4D97-0916-49AE-A7EA-F9189F00BC7C}"/>
-              </a:ext>
-            </a:extLst>
-          </p:cNvPr>
+          <p:cNvPr id="2" name="Title 1"/>
           <p:cNvSpPr>
             <a:spLocks noGrp="1"/>
           </p:cNvSpPr>
@@ -12606,18 +12186,13 @@
               <a:rPr lang="en-GB" dirty="0"/>
               <a:t>Risk Management</a:t>
             </a:r>
-          </a:p>
-        </p:txBody>
-      </p:sp>
-      <p:sp>
-        <p:nvSpPr>
-          <p:cNvPr id="3" name="Content Placeholder 2">
-            <a:extLst>
-              <a:ext uri="{FF2B5EF4-FFF2-40B4-BE49-F238E27FC236}">
-                <a16:creationId xmlns:a16="http://schemas.microsoft.com/office/drawing/2014/main" id="{42A6D396-62B1-491E-9C7F-6B7A34C70BD0}"/>
-              </a:ext>
-            </a:extLst>
-          </p:cNvPr>
+            <a:endParaRPr lang="en-GB" dirty="0"/>
+          </a:p>
+        </p:txBody>
+      </p:sp>
+      <p:sp>
+        <p:nvSpPr>
+          <p:cNvPr id="3" name="Content Placeholder 2"/>
           <p:cNvSpPr>
             <a:spLocks noGrp="1"/>
           </p:cNvSpPr>
@@ -12640,6 +12215,7 @@
               <a:rPr lang="en-US" dirty="0"/>
               <a:t>There are also standards to score the overall “risk” of a vulnerability. </a:t>
             </a:r>
+            <a:endParaRPr lang="en-US" dirty="0"/>
           </a:p>
           <a:p>
             <a:pPr algn="just"/>
@@ -12651,6 +12227,7 @@
               <a:rPr lang="en-US" dirty="0"/>
               <a:t>The most commonly used is the Common Vulnerability Scoring System (CVSS) developed by the Forum of Incident Response and Security Teams (FIRST). </a:t>
             </a:r>
+            <a:endParaRPr lang="en-US" dirty="0"/>
           </a:p>
           <a:p>
             <a:pPr algn="just"/>
@@ -12662,6 +12239,7 @@
               <a:rPr lang="en-US" dirty="0"/>
               <a:t>CVSS is a standards-based scoring method that conveys vulnerability severity and helps determine the urgency and priority of response. </a:t>
             </a:r>
+            <a:endParaRPr lang="en-US" dirty="0"/>
           </a:p>
           <a:p>
             <a:pPr algn="just"/>
@@ -12678,11 +12256,6 @@
         </p:txBody>
       </p:sp>
     </p:spTree>
-    <p:extLst>
-      <p:ext uri="{BB962C8B-B14F-4D97-AF65-F5344CB8AC3E}">
-        <p14:creationId xmlns:p14="http://schemas.microsoft.com/office/powerpoint/2010/main" val="2752022688"/>
-      </p:ext>
-    </p:extLst>
   </p:cSld>
   <p:clrMapOvr>
     <a:masterClrMapping/>
@@ -12709,13 +12282,7 @@
       </p:grpSpPr>
       <p:sp>
         <p:nvSpPr>
-          <p:cNvPr id="2" name="Title 1">
-            <a:extLst>
-              <a:ext uri="{FF2B5EF4-FFF2-40B4-BE49-F238E27FC236}">
-                <a16:creationId xmlns:a16="http://schemas.microsoft.com/office/drawing/2014/main" id="{A6D74F4A-2AFF-4A6B-A692-BE72F30FE0ED}"/>
-              </a:ext>
-            </a:extLst>
-          </p:cNvPr>
+          <p:cNvPr id="2" name="Title 1"/>
           <p:cNvSpPr>
             <a:spLocks noGrp="1"/>
           </p:cNvSpPr>
@@ -12732,18 +12299,13 @@
               <a:rPr lang="en-GB" dirty="0"/>
               <a:t>Risk Management</a:t>
             </a:r>
-          </a:p>
-        </p:txBody>
-      </p:sp>
-      <p:sp>
-        <p:nvSpPr>
-          <p:cNvPr id="3" name="Content Placeholder 2">
-            <a:extLst>
-              <a:ext uri="{FF2B5EF4-FFF2-40B4-BE49-F238E27FC236}">
-                <a16:creationId xmlns:a16="http://schemas.microsoft.com/office/drawing/2014/main" id="{9EB9A508-5A08-4A02-B880-EA649B43CE40}"/>
-              </a:ext>
-            </a:extLst>
-          </p:cNvPr>
+            <a:endParaRPr lang="en-GB" dirty="0"/>
+          </a:p>
+        </p:txBody>
+      </p:sp>
+      <p:sp>
+        <p:nvSpPr>
+          <p:cNvPr id="3" name="Content Placeholder 2"/>
           <p:cNvSpPr>
             <a:spLocks noGrp="1"/>
           </p:cNvSpPr>
@@ -12762,6 +12324,7 @@
               <a:rPr lang="en-US" dirty="0"/>
               <a:t>Additional scoring systems include:</a:t>
             </a:r>
+            <a:endParaRPr lang="en-US" dirty="0"/>
           </a:p>
           <a:p>
             <a:pPr lvl="1"/>
@@ -12769,6 +12332,7 @@
               <a:rPr lang="en-US" dirty="0"/>
               <a:t>Common Weakness Scoring System (CWSS): A methodology for scoring software weaknesses. CWSS is part of the Common Weakness Enumerator (CWE) standard. More information about CWSS is available at http://cwe.mitre.org/cwss.</a:t>
             </a:r>
+            <a:endParaRPr lang="en-US" dirty="0"/>
           </a:p>
           <a:p>
             <a:pPr lvl="1"/>
@@ -12780,6 +12344,7 @@
               <a:rPr lang="en-US" dirty="0"/>
               <a:t>Common Misuse Scoring System (CMSS): A standardized way to measure software feature misuse vulnerabilities. More information about CMSS is available at http://scap.nist.gov/emerging-specs/listing.html#cmss.</a:t>
             </a:r>
+            <a:endParaRPr lang="en-US" dirty="0"/>
           </a:p>
           <a:p>
             <a:pPr lvl="1"/>
@@ -12796,11 +12361,6 @@
         </p:txBody>
       </p:sp>
     </p:spTree>
-    <p:extLst>
-      <p:ext uri="{BB962C8B-B14F-4D97-AF65-F5344CB8AC3E}">
-        <p14:creationId xmlns:p14="http://schemas.microsoft.com/office/powerpoint/2010/main" val="3577398139"/>
-      </p:ext>
-    </p:extLst>
   </p:cSld>
   <p:clrMapOvr>
     <a:masterClrMapping/>
@@ -12827,13 +12387,7 @@
       </p:grpSpPr>
       <p:sp>
         <p:nvSpPr>
-          <p:cNvPr id="2" name="Title 1">
-            <a:extLst>
-              <a:ext uri="{FF2B5EF4-FFF2-40B4-BE49-F238E27FC236}">
-                <a16:creationId xmlns:a16="http://schemas.microsoft.com/office/drawing/2014/main" id="{10A66750-B447-4478-A13C-04948485F64F}"/>
-              </a:ext>
-            </a:extLst>
-          </p:cNvPr>
+          <p:cNvPr id="2" name="Title 1"/>
           <p:cNvSpPr>
             <a:spLocks noGrp="1"/>
           </p:cNvSpPr>
@@ -12855,18 +12409,13 @@
               <a:rPr lang="en-GB" dirty="0"/>
               <a:t>Security Operation Centres</a:t>
             </a:r>
-          </a:p>
-        </p:txBody>
-      </p:sp>
-      <p:sp>
-        <p:nvSpPr>
-          <p:cNvPr id="3" name="Content Placeholder 2">
-            <a:extLst>
-              <a:ext uri="{FF2B5EF4-FFF2-40B4-BE49-F238E27FC236}">
-                <a16:creationId xmlns:a16="http://schemas.microsoft.com/office/drawing/2014/main" id="{60BE72F6-FBD4-4596-84C2-6641717DC33B}"/>
-              </a:ext>
-            </a:extLst>
-          </p:cNvPr>
+            <a:endParaRPr lang="en-GB" dirty="0"/>
+          </a:p>
+        </p:txBody>
+      </p:sp>
+      <p:sp>
+        <p:nvSpPr>
+          <p:cNvPr id="3" name="Content Placeholder 2"/>
           <p:cNvSpPr>
             <a:spLocks noGrp="1"/>
           </p:cNvSpPr>
@@ -12906,6 +12455,7 @@
               <a:rPr lang="en-US" dirty="0"/>
               <a:t> assets, including:</a:t>
             </a:r>
+            <a:endParaRPr lang="en-US" dirty="0"/>
           </a:p>
           <a:p>
             <a:pPr lvl="1"/>
@@ -12913,6 +12463,7 @@
               <a:rPr lang="en-US" dirty="0"/>
               <a:t>applications, databases, servers, networks, desktops, and other endpoints, are monitored, assessed, and protected.</a:t>
             </a:r>
+            <a:endParaRPr lang="en-US" dirty="0"/>
           </a:p>
           <a:p>
             <a:endParaRPr lang="en-US" dirty="0"/>
@@ -12922,6 +12473,7 @@
               <a:rPr lang="en-US" dirty="0"/>
               <a:t>Establishing SOC capabilities requires careful planning. </a:t>
             </a:r>
+            <a:endParaRPr lang="en-US" dirty="0"/>
           </a:p>
           <a:p>
             <a:endParaRPr lang="en-US" dirty="0"/>
@@ -12939,6 +12491,7 @@
               <a:rPr lang="en-US" dirty="0"/>
               <a:t> practitioners with the objectives that justify having an SOC, and to develop a roadmap that can be use to track progress against those predefined objectives. </a:t>
             </a:r>
+            <a:endParaRPr lang="en-US" dirty="0"/>
           </a:p>
           <a:p>
             <a:endParaRPr lang="en-US" dirty="0"/>
@@ -12953,11 +12506,6 @@
         </p:txBody>
       </p:sp>
     </p:spTree>
-    <p:extLst>
-      <p:ext uri="{BB962C8B-B14F-4D97-AF65-F5344CB8AC3E}">
-        <p14:creationId xmlns:p14="http://schemas.microsoft.com/office/powerpoint/2010/main" val="3337626589"/>
-      </p:ext>
-    </p:extLst>
   </p:cSld>
   <p:clrMapOvr>
     <a:masterClrMapping/>
@@ -13008,7 +12556,7 @@
     </a:clrScheme>
     <a:fontScheme name="Wisp">
       <a:majorFont>
-        <a:latin typeface="Century Gothic" panose="020B0502020202020204"/>
+        <a:latin typeface="Century Gothic"/>
         <a:ea typeface=""/>
         <a:cs typeface=""/>
         <a:font script="Jpan" typeface="メイリオ"/>
@@ -13043,7 +12591,7 @@
         <a:font script="Geor" typeface="Sylfaen"/>
       </a:majorFont>
       <a:minorFont>
-        <a:latin typeface="Century Gothic" panose="020B0502020202020204"/>
+        <a:latin typeface="Century Gothic"/>
         <a:ea typeface=""/>
         <a:cs typeface=""/>
         <a:font script="Jpan" typeface="メイリオ"/>
@@ -13198,11 +12746,9 @@
       </a:bgFillStyleLst>
     </a:fmtScheme>
   </a:themeElements>
-  <a:objectDefaults/>
-  <a:extraClrSchemeLst/>
   <a:extLst>
     <a:ext uri="{05A4C25C-085E-4340-85A3-A5531E510DB2}">
-      <thm15:themeFamily xmlns:thm15="http://schemas.microsoft.com/office/thememl/2012/main" name="Wisp" id="{7CB32D59-10C0-40DD-B7BD-2E94284A981C}" vid="{24B1A44C-C006-48B2-A4D7-E5549B3D8CD4}"/>
+      <thm15:themeFamily xmlns:thm15="http://schemas.microsoft.com/office/thememl/2012/main" name="Office Theme" id="{62F939B6-93AF-4DB8-9C6B-D6C7DFDC589F}" vid="{4A3C46E8-61CC-4603-A589-7422A47A8E4A}"/>
     </a:ext>
   </a:extLst>
 </a:theme>
@@ -13251,7 +12797,7 @@
     </a:clrScheme>
     <a:fontScheme name="Office">
       <a:majorFont>
-        <a:latin typeface="Calibri Light" panose="020F0302020204030204"/>
+        <a:latin typeface="Calibri Light"/>
         <a:ea typeface=""/>
         <a:cs typeface=""/>
         <a:font script="Jpan" typeface="游ゴシック Light"/>
@@ -13284,26 +12830,9 @@
         <a:font script="Viet" typeface="Times New Roman"/>
         <a:font script="Uigh" typeface="Microsoft Uighur"/>
         <a:font script="Geor" typeface="Sylfaen"/>
-        <a:font script="Armn" typeface="Arial"/>
-        <a:font script="Bugi" typeface="Leelawadee UI"/>
-        <a:font script="Bopo" typeface="Microsoft JhengHei"/>
-        <a:font script="Java" typeface="Javanese Text"/>
-        <a:font script="Lisu" typeface="Segoe UI"/>
-        <a:font script="Mymr" typeface="Myanmar Text"/>
-        <a:font script="Nkoo" typeface="Ebrima"/>
-        <a:font script="Olck" typeface="Nirmala UI"/>
-        <a:font script="Osma" typeface="Ebrima"/>
-        <a:font script="Phag" typeface="Phagspa"/>
-        <a:font script="Syrn" typeface="Estrangelo Edessa"/>
-        <a:font script="Syrj" typeface="Estrangelo Edessa"/>
-        <a:font script="Syre" typeface="Estrangelo Edessa"/>
-        <a:font script="Sora" typeface="Nirmala UI"/>
-        <a:font script="Tale" typeface="Microsoft Tai Le"/>
-        <a:font script="Talu" typeface="Microsoft New Tai Lue"/>
-        <a:font script="Tfng" typeface="Ebrima"/>
       </a:majorFont>
       <a:minorFont>
-        <a:latin typeface="Calibri" panose="020F0502020204030204"/>
+        <a:latin typeface="Calibri"/>
         <a:ea typeface=""/>
         <a:cs typeface=""/>
         <a:font script="Jpan" typeface="游ゴシック"/>
@@ -13336,23 +12865,6 @@
         <a:font script="Viet" typeface="Arial"/>
         <a:font script="Uigh" typeface="Microsoft Uighur"/>
         <a:font script="Geor" typeface="Sylfaen"/>
-        <a:font script="Armn" typeface="Arial"/>
-        <a:font script="Bugi" typeface="Leelawadee UI"/>
-        <a:font script="Bopo" typeface="Microsoft JhengHei"/>
-        <a:font script="Java" typeface="Javanese Text"/>
-        <a:font script="Lisu" typeface="Segoe UI"/>
-        <a:font script="Mymr" typeface="Myanmar Text"/>
-        <a:font script="Nkoo" typeface="Ebrima"/>
-        <a:font script="Olck" typeface="Nirmala UI"/>
-        <a:font script="Osma" typeface="Ebrima"/>
-        <a:font script="Phag" typeface="Phagspa"/>
-        <a:font script="Syrn" typeface="Estrangelo Edessa"/>
-        <a:font script="Syrj" typeface="Estrangelo Edessa"/>
-        <a:font script="Syre" typeface="Estrangelo Edessa"/>
-        <a:font script="Sora" typeface="Nirmala UI"/>
-        <a:font script="Tale" typeface="Microsoft Tai Le"/>
-        <a:font script="Talu" typeface="Microsoft New Tai Lue"/>
-        <a:font script="Tfng" typeface="Ebrima"/>
       </a:minorFont>
     </a:fontScheme>
     <a:fmtScheme name="Office">
@@ -13493,8 +13005,6 @@
       </a:bgFillStyleLst>
     </a:fmtScheme>
   </a:themeElements>
-  <a:objectDefaults/>
-  <a:extraClrSchemeLst/>
   <a:extLst>
     <a:ext uri="{05A4C25C-085E-4340-85A3-A5531E510DB2}">
       <thm15:themeFamily xmlns:thm15="http://schemas.microsoft.com/office/thememl/2012/main" name="Office Theme" id="{62F939B6-93AF-4DB8-9C6B-D6C7DFDC589F}" vid="{4A3C46E8-61CC-4603-A589-7422A47A8E4A}"/>
